--- a/Day 3 Recap.pptx
+++ b/Day 3 Recap.pptx
@@ -8,15 +8,17 @@
     <p:sldId id="256" r:id="rId2"/>
     <p:sldId id="257" r:id="rId3"/>
     <p:sldId id="265" r:id="rId4"/>
-    <p:sldId id="266" r:id="rId5"/>
-    <p:sldId id="267" r:id="rId6"/>
-    <p:sldId id="258" r:id="rId7"/>
-    <p:sldId id="259" r:id="rId8"/>
-    <p:sldId id="260" r:id="rId9"/>
-    <p:sldId id="263" r:id="rId10"/>
-    <p:sldId id="261" r:id="rId11"/>
-    <p:sldId id="262" r:id="rId12"/>
-    <p:sldId id="264" r:id="rId13"/>
+    <p:sldId id="268" r:id="rId5"/>
+    <p:sldId id="266" r:id="rId6"/>
+    <p:sldId id="267" r:id="rId7"/>
+    <p:sldId id="258" r:id="rId8"/>
+    <p:sldId id="259" r:id="rId9"/>
+    <p:sldId id="260" r:id="rId10"/>
+    <p:sldId id="263" r:id="rId11"/>
+    <p:sldId id="261" r:id="rId12"/>
+    <p:sldId id="262" r:id="rId13"/>
+    <p:sldId id="264" r:id="rId14"/>
+    <p:sldId id="269" r:id="rId15"/>
   </p:sldIdLst>
   <p:sldSz cx="12192000" cy="6858000"/>
   <p:notesSz cx="6858000" cy="9144000"/>
@@ -126,7 +128,7 @@
 <file path=ppt/revisionInfo.xml><?xml version="1.0" encoding="utf-8"?>
 <p1510:revInfo xmlns:a="http://schemas.openxmlformats.org/drawingml/2006/main" xmlns:r="http://schemas.openxmlformats.org/officeDocument/2006/relationships" xmlns:p1510="http://schemas.microsoft.com/office/powerpoint/2015/10/main">
   <p1510:revLst>
-    <p1510:client id="{5195C0BF-34D7-4271-97A8-8120B5425574}" v="135" dt="2025-06-29T07:29:21.447"/>
+    <p1510:client id="{5195C0BF-34D7-4271-97A8-8120B5425574}" v="171" dt="2025-06-29T23:39:49.896"/>
   </p1510:revLst>
 </p1510:revInfo>
 </file>
@@ -136,7 +138,7 @@
   <pc:docChgLst>
     <pc:chgData name="Hector Najera" userId="04fbcd51e4148ba7" providerId="LiveId" clId="{5195C0BF-34D7-4271-97A8-8120B5425574}"/>
     <pc:docChg chg="custSel addSld modSld">
-      <pc:chgData name="Hector Najera" userId="04fbcd51e4148ba7" providerId="LiveId" clId="{5195C0BF-34D7-4271-97A8-8120B5425574}" dt="2025-06-29T07:29:21.447" v="638" actId="20577"/>
+      <pc:chgData name="Hector Najera" userId="04fbcd51e4148ba7" providerId="LiveId" clId="{5195C0BF-34D7-4271-97A8-8120B5425574}" dt="2025-06-29T23:39:49.896" v="1089" actId="20577"/>
       <pc:docMkLst>
         <pc:docMk/>
       </pc:docMkLst>
@@ -193,13 +195,13 @@
         </pc:spChg>
       </pc:sldChg>
       <pc:sldChg chg="modSp modAnim">
-        <pc:chgData name="Hector Najera" userId="04fbcd51e4148ba7" providerId="LiveId" clId="{5195C0BF-34D7-4271-97A8-8120B5425574}" dt="2025-06-29T07:28:54.930" v="624"/>
+        <pc:chgData name="Hector Najera" userId="04fbcd51e4148ba7" providerId="LiveId" clId="{5195C0BF-34D7-4271-97A8-8120B5425574}" dt="2025-06-29T23:39:20.073" v="1075" actId="20577"/>
         <pc:sldMkLst>
           <pc:docMk/>
           <pc:sldMk cId="4048530840" sldId="262"/>
         </pc:sldMkLst>
         <pc:spChg chg="mod">
-          <ac:chgData name="Hector Najera" userId="04fbcd51e4148ba7" providerId="LiveId" clId="{5195C0BF-34D7-4271-97A8-8120B5425574}" dt="2025-06-29T07:28:50.112" v="623" actId="20577"/>
+          <ac:chgData name="Hector Najera" userId="04fbcd51e4148ba7" providerId="LiveId" clId="{5195C0BF-34D7-4271-97A8-8120B5425574}" dt="2025-06-29T23:39:20.073" v="1075" actId="20577"/>
           <ac:spMkLst>
             <pc:docMk/>
             <pc:sldMk cId="4048530840" sldId="262"/>
@@ -215,13 +217,13 @@
         </pc:sldMkLst>
       </pc:sldChg>
       <pc:sldChg chg="modSp mod modAnim">
-        <pc:chgData name="Hector Najera" userId="04fbcd51e4148ba7" providerId="LiveId" clId="{5195C0BF-34D7-4271-97A8-8120B5425574}" dt="2025-06-29T07:29:21.447" v="638" actId="20577"/>
+        <pc:chgData name="Hector Najera" userId="04fbcd51e4148ba7" providerId="LiveId" clId="{5195C0BF-34D7-4271-97A8-8120B5425574}" dt="2025-06-29T23:39:49.896" v="1089" actId="20577"/>
         <pc:sldMkLst>
           <pc:docMk/>
           <pc:sldMk cId="1576649917" sldId="264"/>
         </pc:sldMkLst>
         <pc:spChg chg="mod">
-          <ac:chgData name="Hector Najera" userId="04fbcd51e4148ba7" providerId="LiveId" clId="{5195C0BF-34D7-4271-97A8-8120B5425574}" dt="2025-06-29T07:29:21.447" v="638" actId="20577"/>
+          <ac:chgData name="Hector Najera" userId="04fbcd51e4148ba7" providerId="LiveId" clId="{5195C0BF-34D7-4271-97A8-8120B5425574}" dt="2025-06-29T23:39:49.896" v="1089" actId="20577"/>
           <ac:spMkLst>
             <pc:docMk/>
             <pc:sldMk cId="1576649917" sldId="264"/>
@@ -327,6 +329,52 @@
             <pc:docMk/>
             <pc:sldMk cId="2691751412" sldId="267"/>
             <ac:spMk id="3" creationId="{79947CCD-E003-A65B-DAD8-CFB90130FA19}"/>
+          </ac:spMkLst>
+        </pc:spChg>
+      </pc:sldChg>
+      <pc:sldChg chg="modSp new mod">
+        <pc:chgData name="Hector Najera" userId="04fbcd51e4148ba7" providerId="LiveId" clId="{5195C0BF-34D7-4271-97A8-8120B5425574}" dt="2025-06-29T21:54:33.628" v="1053" actId="113"/>
+        <pc:sldMkLst>
+          <pc:docMk/>
+          <pc:sldMk cId="3481676516" sldId="268"/>
+        </pc:sldMkLst>
+        <pc:spChg chg="mod">
+          <ac:chgData name="Hector Najera" userId="04fbcd51e4148ba7" providerId="LiveId" clId="{5195C0BF-34D7-4271-97A8-8120B5425574}" dt="2025-06-29T21:46:49.301" v="647" actId="20577"/>
+          <ac:spMkLst>
+            <pc:docMk/>
+            <pc:sldMk cId="3481676516" sldId="268"/>
+            <ac:spMk id="2" creationId="{E7920AF5-36CC-5A7F-F80D-021BCC7DD84E}"/>
+          </ac:spMkLst>
+        </pc:spChg>
+        <pc:spChg chg="mod">
+          <ac:chgData name="Hector Najera" userId="04fbcd51e4148ba7" providerId="LiveId" clId="{5195C0BF-34D7-4271-97A8-8120B5425574}" dt="2025-06-29T21:54:33.628" v="1053" actId="113"/>
+          <ac:spMkLst>
+            <pc:docMk/>
+            <pc:sldMk cId="3481676516" sldId="268"/>
+            <ac:spMk id="3" creationId="{A9376E4F-494D-AE6A-5847-5D97B620EA42}"/>
+          </ac:spMkLst>
+        </pc:spChg>
+      </pc:sldChg>
+      <pc:sldChg chg="modSp new mod">
+        <pc:chgData name="Hector Najera" userId="04fbcd51e4148ba7" providerId="LiveId" clId="{5195C0BF-34D7-4271-97A8-8120B5425574}" dt="2025-06-29T21:53:14.460" v="1052" actId="20577"/>
+        <pc:sldMkLst>
+          <pc:docMk/>
+          <pc:sldMk cId="2680499969" sldId="269"/>
+        </pc:sldMkLst>
+        <pc:spChg chg="mod">
+          <ac:chgData name="Hector Najera" userId="04fbcd51e4148ba7" providerId="LiveId" clId="{5195C0BF-34D7-4271-97A8-8120B5425574}" dt="2025-06-29T21:53:14.460" v="1052" actId="20577"/>
+          <ac:spMkLst>
+            <pc:docMk/>
+            <pc:sldMk cId="2680499969" sldId="269"/>
+            <ac:spMk id="2" creationId="{7AC2BD5A-9DEF-ABDC-F43F-4235BFF667DE}"/>
+          </ac:spMkLst>
+        </pc:spChg>
+        <pc:spChg chg="mod">
+          <ac:chgData name="Hector Najera" userId="04fbcd51e4148ba7" providerId="LiveId" clId="{5195C0BF-34D7-4271-97A8-8120B5425574}" dt="2025-06-29T21:53:07.252" v="1040" actId="255"/>
+          <ac:spMkLst>
+            <pc:docMk/>
+            <pc:sldMk cId="2680499969" sldId="269"/>
+            <ac:spMk id="3" creationId="{133772F7-DAA5-C482-8A2E-AF7FD8527391}"/>
           </ac:spMkLst>
         </pc:spChg>
       </pc:sldChg>
@@ -3652,7 +3700,7 @@
           <p:cNvPr id="2" name="Title 1">
             <a:extLst>
               <a:ext uri="{FF2B5EF4-FFF2-40B4-BE49-F238E27FC236}">
-                <a16:creationId xmlns:a16="http://schemas.microsoft.com/office/drawing/2014/main" id="{A2140E48-99D8-828C-A7C7-7569568672D4}"/>
+                <a16:creationId xmlns:a16="http://schemas.microsoft.com/office/drawing/2014/main" id="{78EBA078-9170-6899-27A9-6028C209516B}"/>
               </a:ext>
             </a:extLst>
           </p:cNvPr>
@@ -3670,7 +3718,7 @@
           <a:p>
             <a:r>
               <a:rPr lang="en-US" dirty="0"/>
-              <a:t>Need cleaning?</a:t>
+              <a:t>Explore your data: packages</a:t>
             </a:r>
           </a:p>
         </p:txBody>
@@ -3680,7 +3728,7 @@
           <p:cNvPr id="3" name="Content Placeholder 2">
             <a:extLst>
               <a:ext uri="{FF2B5EF4-FFF2-40B4-BE49-F238E27FC236}">
-                <a16:creationId xmlns:a16="http://schemas.microsoft.com/office/drawing/2014/main" id="{84E396FA-FAE0-036D-A570-9B403721FB6D}"/>
+                <a16:creationId xmlns:a16="http://schemas.microsoft.com/office/drawing/2014/main" id="{FF27E23B-7039-DD57-BD3A-1F57645D1CD1}"/>
               </a:ext>
             </a:extLst>
           </p:cNvPr>
@@ -3696,94 +3744,77 @@
           <a:bodyPr/>
           <a:lstStyle/>
           <a:p>
+            <a:endParaRPr lang="en-US" dirty="0"/>
+          </a:p>
+          <a:p>
             <a:r>
               <a:rPr lang="en-US" dirty="0"/>
-              <a:t>If your variable has unexpected values:</a:t>
+              <a:t>Step 1: What do you want to do?</a:t>
             </a:r>
           </a:p>
           <a:p>
             <a:endParaRPr lang="en-US" dirty="0"/>
           </a:p>
           <a:p>
-            <a:pPr marL="514350" indent="-514350">
-              <a:buAutoNum type="arabicPeriod"/>
+            <a:r>
+              <a:rPr lang="en-US" dirty="0"/>
+              <a:t>Step 2: Load your library</a:t>
+            </a:r>
+          </a:p>
+          <a:p>
+            <a:pPr marL="457200" lvl="1" indent="0">
+              <a:buNone/>
             </a:pPr>
             <a:r>
               <a:rPr lang="en-US" dirty="0"/>
-              <a:t>Keep the good ones:</a:t>
-            </a:r>
-          </a:p>
-          <a:p>
-            <a:pPr marL="0" indent="0">
+              <a:t>library(</a:t>
+            </a:r>
+            <a:r>
+              <a:rPr lang="en-US" dirty="0" err="1"/>
+              <a:t>descr</a:t>
+            </a:r>
+            <a:r>
+              <a:rPr lang="en-US" dirty="0"/>
+              <a:t>)</a:t>
+            </a:r>
+          </a:p>
+          <a:p>
+            <a:pPr lvl="1"/>
+            <a:endParaRPr lang="en-US" dirty="0"/>
+          </a:p>
+          <a:p>
+            <a:r>
+              <a:rPr lang="en-US" dirty="0"/>
+              <a:t>Step 3: Use the appropriate function</a:t>
+            </a:r>
+          </a:p>
+          <a:p>
+            <a:pPr marL="457200" lvl="1" indent="0">
               <a:buNone/>
             </a:pPr>
-            <a:endParaRPr lang="en-US" dirty="0"/>
-          </a:p>
-          <a:p>
-            <a:pPr marL="457200" lvl="1" indent="0">
-              <a:buNone/>
-            </a:pPr>
+            <a:r>
+              <a:rPr lang="en-US" dirty="0" err="1"/>
+              <a:t>freq</a:t>
+            </a:r>
             <a:r>
               <a:rPr lang="en-US" dirty="0"/>
-              <a:t>Option 1: </a:t>
+              <a:t>(</a:t>
             </a:r>
             <a:r>
               <a:rPr lang="en-US" dirty="0" err="1"/>
-              <a:t>Dxl</a:t>
+              <a:t>D$sex</a:t>
             </a:r>
             <a:r>
               <a:rPr lang="en-US" dirty="0"/>
-              <a:t> %&gt;% filter(age&gt;100) -&gt; </a:t>
-            </a:r>
-            <a:r>
-              <a:rPr lang="en-US" dirty="0" err="1"/>
-              <a:t>Dxl</a:t>
-            </a:r>
-            <a:endParaRPr lang="en-US" dirty="0"/>
-          </a:p>
-          <a:p>
-            <a:pPr marL="457200" lvl="1" indent="0">
-              <a:buNone/>
-            </a:pPr>
-            <a:endParaRPr lang="en-US" dirty="0"/>
-          </a:p>
-          <a:p>
-            <a:pPr marL="457200" lvl="1" indent="0">
-              <a:buNone/>
-            </a:pPr>
-            <a:r>
-              <a:rPr lang="en-US" dirty="0"/>
-              <a:t>Option 2: </a:t>
-            </a:r>
-            <a:r>
-              <a:rPr lang="en-US" dirty="0" err="1"/>
-              <a:t>Dxl</a:t>
-            </a:r>
-            <a:r>
-              <a:rPr lang="en-US" dirty="0"/>
-              <a:t>&lt;-</a:t>
-            </a:r>
-            <a:r>
-              <a:rPr lang="en-US" dirty="0" err="1"/>
-              <a:t>Dxl</a:t>
-            </a:r>
-            <a:r>
-              <a:rPr lang="en-US" dirty="0"/>
-              <a:t> %&gt;% filter(age&gt;100)</a:t>
-            </a:r>
-          </a:p>
-          <a:p>
-            <a:pPr marL="457200" lvl="1" indent="0">
-              <a:buNone/>
-            </a:pPr>
-            <a:endParaRPr lang="en-US" dirty="0"/>
+              <a:t>)</a:t>
+            </a:r>
           </a:p>
         </p:txBody>
       </p:sp>
     </p:spTree>
     <p:extLst>
       <p:ext uri="{BB962C8B-B14F-4D97-AF65-F5344CB8AC3E}">
-        <p14:creationId xmlns:p14="http://schemas.microsoft.com/office/powerpoint/2010/main" val="915042843"/>
+        <p14:creationId xmlns:p14="http://schemas.microsoft.com/office/powerpoint/2010/main" val="518048059"/>
       </p:ext>
     </p:extLst>
   </p:cSld>
@@ -3811,7 +3842,7 @@
                             </p:stCondLst>
                             <p:childTnLst>
                               <p:par>
-                                <p:cTn id="5" presetID="10" presetClass="entr" presetSubtype="0" fill="hold" nodeType="clickEffect">
+                                <p:cTn id="5" presetID="2" presetClass="entr" presetSubtype="4" fill="hold" nodeType="clickEffect">
                                   <p:stCondLst>
                                     <p:cond delay="0"/>
                                   </p:stCondLst>
@@ -3826,129 +3857,7 @@
                                         <p:tgtEl>
                                           <p:spTgt spid="3">
                                             <p:txEl>
-                                              <p:pRg st="0" end="0"/>
-                                            </p:txEl>
-                                          </p:spTgt>
-                                        </p:tgtEl>
-                                        <p:attrNameLst>
-                                          <p:attrName>style.visibility</p:attrName>
-                                        </p:attrNameLst>
-                                      </p:cBhvr>
-                                      <p:to>
-                                        <p:strVal val="visible"/>
-                                      </p:to>
-                                    </p:set>
-                                    <p:animEffect transition="in" filter="fade">
-                                      <p:cBhvr>
-                                        <p:cTn id="7" dur="500"/>
-                                        <p:tgtEl>
-                                          <p:spTgt spid="3">
-                                            <p:txEl>
-                                              <p:pRg st="0" end="0"/>
-                                            </p:txEl>
-                                          </p:spTgt>
-                                        </p:tgtEl>
-                                      </p:cBhvr>
-                                    </p:animEffect>
-                                  </p:childTnLst>
-                                </p:cTn>
-                              </p:par>
-                            </p:childTnLst>
-                          </p:cTn>
-                        </p:par>
-                      </p:childTnLst>
-                    </p:cTn>
-                  </p:par>
-                  <p:par>
-                    <p:cTn id="8" fill="hold">
-                      <p:stCondLst>
-                        <p:cond delay="indefinite"/>
-                      </p:stCondLst>
-                      <p:childTnLst>
-                        <p:par>
-                          <p:cTn id="9" fill="hold">
-                            <p:stCondLst>
-                              <p:cond delay="0"/>
-                            </p:stCondLst>
-                            <p:childTnLst>
-                              <p:par>
-                                <p:cTn id="10" presetID="10" presetClass="entr" presetSubtype="0" fill="hold" nodeType="clickEffect">
-                                  <p:stCondLst>
-                                    <p:cond delay="0"/>
-                                  </p:stCondLst>
-                                  <p:childTnLst>
-                                    <p:set>
-                                      <p:cBhvr>
-                                        <p:cTn id="11" dur="1" fill="hold">
-                                          <p:stCondLst>
-                                            <p:cond delay="0"/>
-                                          </p:stCondLst>
-                                        </p:cTn>
-                                        <p:tgtEl>
-                                          <p:spTgt spid="3">
-                                            <p:txEl>
-                                              <p:pRg st="2" end="2"/>
-                                            </p:txEl>
-                                          </p:spTgt>
-                                        </p:tgtEl>
-                                        <p:attrNameLst>
-                                          <p:attrName>style.visibility</p:attrName>
-                                        </p:attrNameLst>
-                                      </p:cBhvr>
-                                      <p:to>
-                                        <p:strVal val="visible"/>
-                                      </p:to>
-                                    </p:set>
-                                    <p:animEffect transition="in" filter="fade">
-                                      <p:cBhvr>
-                                        <p:cTn id="12" dur="500"/>
-                                        <p:tgtEl>
-                                          <p:spTgt spid="3">
-                                            <p:txEl>
-                                              <p:pRg st="2" end="2"/>
-                                            </p:txEl>
-                                          </p:spTgt>
-                                        </p:tgtEl>
-                                      </p:cBhvr>
-                                    </p:animEffect>
-                                  </p:childTnLst>
-                                </p:cTn>
-                              </p:par>
-                            </p:childTnLst>
-                          </p:cTn>
-                        </p:par>
-                      </p:childTnLst>
-                    </p:cTn>
-                  </p:par>
-                  <p:par>
-                    <p:cTn id="13" fill="hold">
-                      <p:stCondLst>
-                        <p:cond delay="indefinite"/>
-                      </p:stCondLst>
-                      <p:childTnLst>
-                        <p:par>
-                          <p:cTn id="14" fill="hold">
-                            <p:stCondLst>
-                              <p:cond delay="0"/>
-                            </p:stCondLst>
-                            <p:childTnLst>
-                              <p:par>
-                                <p:cTn id="15" presetID="2" presetClass="entr" presetSubtype="4" fill="hold" nodeType="clickEffect">
-                                  <p:stCondLst>
-                                    <p:cond delay="0"/>
-                                  </p:stCondLst>
-                                  <p:childTnLst>
-                                    <p:set>
-                                      <p:cBhvr>
-                                        <p:cTn id="16" dur="1" fill="hold">
-                                          <p:stCondLst>
-                                            <p:cond delay="0"/>
-                                          </p:stCondLst>
-                                        </p:cTn>
-                                        <p:tgtEl>
-                                          <p:spTgt spid="3">
-                                            <p:txEl>
-                                              <p:pRg st="4" end="4"/>
+                                              <p:pRg st="1" end="1"/>
                                             </p:txEl>
                                           </p:spTgt>
                                         </p:tgtEl>
@@ -3962,11 +3871,11 @@
                                     </p:set>
                                     <p:anim calcmode="lin" valueType="num">
                                       <p:cBhvr additive="base">
-                                        <p:cTn id="17" dur="500" fill="hold"/>
+                                        <p:cTn id="7" dur="500" fill="hold"/>
                                         <p:tgtEl>
                                           <p:spTgt spid="3">
                                             <p:txEl>
-                                              <p:pRg st="4" end="4"/>
+                                              <p:pRg st="1" end="1"/>
                                             </p:txEl>
                                           </p:spTgt>
                                         </p:tgtEl>
@@ -3989,11 +3898,11 @@
                                     </p:anim>
                                     <p:anim calcmode="lin" valueType="num">
                                       <p:cBhvr additive="base">
-                                        <p:cTn id="18" dur="500" fill="hold"/>
+                                        <p:cTn id="8" dur="500" fill="hold"/>
                                         <p:tgtEl>
                                           <p:spTgt spid="3">
                                             <p:txEl>
-                                              <p:pRg st="4" end="4"/>
+                                              <p:pRg st="1" end="1"/>
                                             </p:txEl>
                                           </p:spTgt>
                                         </p:tgtEl>
@@ -4024,6 +3933,128 @@
                     </p:cTn>
                   </p:par>
                   <p:par>
+                    <p:cTn id="9" fill="hold">
+                      <p:stCondLst>
+                        <p:cond delay="indefinite"/>
+                      </p:stCondLst>
+                      <p:childTnLst>
+                        <p:par>
+                          <p:cTn id="10" fill="hold">
+                            <p:stCondLst>
+                              <p:cond delay="0"/>
+                            </p:stCondLst>
+                            <p:childTnLst>
+                              <p:par>
+                                <p:cTn id="11" presetID="10" presetClass="entr" presetSubtype="0" fill="hold" nodeType="clickEffect">
+                                  <p:stCondLst>
+                                    <p:cond delay="0"/>
+                                  </p:stCondLst>
+                                  <p:childTnLst>
+                                    <p:set>
+                                      <p:cBhvr>
+                                        <p:cTn id="12" dur="1" fill="hold">
+                                          <p:stCondLst>
+                                            <p:cond delay="0"/>
+                                          </p:stCondLst>
+                                        </p:cTn>
+                                        <p:tgtEl>
+                                          <p:spTgt spid="3">
+                                            <p:txEl>
+                                              <p:pRg st="3" end="3"/>
+                                            </p:txEl>
+                                          </p:spTgt>
+                                        </p:tgtEl>
+                                        <p:attrNameLst>
+                                          <p:attrName>style.visibility</p:attrName>
+                                        </p:attrNameLst>
+                                      </p:cBhvr>
+                                      <p:to>
+                                        <p:strVal val="visible"/>
+                                      </p:to>
+                                    </p:set>
+                                    <p:animEffect transition="in" filter="fade">
+                                      <p:cBhvr>
+                                        <p:cTn id="13" dur="500"/>
+                                        <p:tgtEl>
+                                          <p:spTgt spid="3">
+                                            <p:txEl>
+                                              <p:pRg st="3" end="3"/>
+                                            </p:txEl>
+                                          </p:spTgt>
+                                        </p:tgtEl>
+                                      </p:cBhvr>
+                                    </p:animEffect>
+                                  </p:childTnLst>
+                                </p:cTn>
+                              </p:par>
+                            </p:childTnLst>
+                          </p:cTn>
+                        </p:par>
+                      </p:childTnLst>
+                    </p:cTn>
+                  </p:par>
+                  <p:par>
+                    <p:cTn id="14" fill="hold">
+                      <p:stCondLst>
+                        <p:cond delay="indefinite"/>
+                      </p:stCondLst>
+                      <p:childTnLst>
+                        <p:par>
+                          <p:cTn id="15" fill="hold">
+                            <p:stCondLst>
+                              <p:cond delay="0"/>
+                            </p:stCondLst>
+                            <p:childTnLst>
+                              <p:par>
+                                <p:cTn id="16" presetID="10" presetClass="entr" presetSubtype="0" fill="hold" nodeType="clickEffect">
+                                  <p:stCondLst>
+                                    <p:cond delay="0"/>
+                                  </p:stCondLst>
+                                  <p:childTnLst>
+                                    <p:set>
+                                      <p:cBhvr>
+                                        <p:cTn id="17" dur="1" fill="hold">
+                                          <p:stCondLst>
+                                            <p:cond delay="0"/>
+                                          </p:stCondLst>
+                                        </p:cTn>
+                                        <p:tgtEl>
+                                          <p:spTgt spid="3">
+                                            <p:txEl>
+                                              <p:pRg st="4" end="4"/>
+                                            </p:txEl>
+                                          </p:spTgt>
+                                        </p:tgtEl>
+                                        <p:attrNameLst>
+                                          <p:attrName>style.visibility</p:attrName>
+                                        </p:attrNameLst>
+                                      </p:cBhvr>
+                                      <p:to>
+                                        <p:strVal val="visible"/>
+                                      </p:to>
+                                    </p:set>
+                                    <p:animEffect transition="in" filter="fade">
+                                      <p:cBhvr>
+                                        <p:cTn id="18" dur="500"/>
+                                        <p:tgtEl>
+                                          <p:spTgt spid="3">
+                                            <p:txEl>
+                                              <p:pRg st="4" end="4"/>
+                                            </p:txEl>
+                                          </p:spTgt>
+                                        </p:tgtEl>
+                                      </p:cBhvr>
+                                    </p:animEffect>
+                                  </p:childTnLst>
+                                </p:cTn>
+                              </p:par>
+                            </p:childTnLst>
+                          </p:cTn>
+                        </p:par>
+                      </p:childTnLst>
+                    </p:cTn>
+                  </p:par>
+                  <p:par>
                     <p:cTn id="19" fill="hold">
                       <p:stCondLst>
                         <p:cond delay="indefinite"/>
@@ -4036,7 +4067,7 @@
                             </p:stCondLst>
                             <p:childTnLst>
                               <p:par>
-                                <p:cTn id="21" presetID="2" presetClass="entr" presetSubtype="4" fill="hold" nodeType="clickEffect">
+                                <p:cTn id="21" presetID="10" presetClass="entr" presetSubtype="0" fill="hold" nodeType="clickEffect">
                                   <p:stCondLst>
                                     <p:cond delay="0"/>
                                   </p:stCondLst>
@@ -4063,9 +4094,9 @@
                                         <p:strVal val="visible"/>
                                       </p:to>
                                     </p:set>
-                                    <p:anim calcmode="lin" valueType="num">
-                                      <p:cBhvr additive="base">
-                                        <p:cTn id="23" dur="500" fill="hold"/>
+                                    <p:animEffect transition="in" filter="fade">
+                                      <p:cBhvr>
+                                        <p:cTn id="23" dur="500"/>
                                         <p:tgtEl>
                                           <p:spTgt spid="3">
                                             <p:txEl>
@@ -4073,50 +4104,69 @@
                                             </p:txEl>
                                           </p:spTgt>
                                         </p:tgtEl>
-                                        <p:attrNameLst>
-                                          <p:attrName>ppt_x</p:attrName>
-                                        </p:attrNameLst>
-                                      </p:cBhvr>
-                                      <p:tavLst>
-                                        <p:tav tm="0">
-                                          <p:val>
-                                            <p:strVal val="#ppt_x"/>
-                                          </p:val>
-                                        </p:tav>
-                                        <p:tav tm="100000">
-                                          <p:val>
-                                            <p:strVal val="#ppt_x"/>
-                                          </p:val>
-                                        </p:tav>
-                                      </p:tavLst>
-                                    </p:anim>
-                                    <p:anim calcmode="lin" valueType="num">
-                                      <p:cBhvr additive="base">
-                                        <p:cTn id="24" dur="500" fill="hold"/>
+                                      </p:cBhvr>
+                                    </p:animEffect>
+                                  </p:childTnLst>
+                                </p:cTn>
+                              </p:par>
+                            </p:childTnLst>
+                          </p:cTn>
+                        </p:par>
+                      </p:childTnLst>
+                    </p:cTn>
+                  </p:par>
+                  <p:par>
+                    <p:cTn id="24" fill="hold">
+                      <p:stCondLst>
+                        <p:cond delay="indefinite"/>
+                      </p:stCondLst>
+                      <p:childTnLst>
+                        <p:par>
+                          <p:cTn id="25" fill="hold">
+                            <p:stCondLst>
+                              <p:cond delay="0"/>
+                            </p:stCondLst>
+                            <p:childTnLst>
+                              <p:par>
+                                <p:cTn id="26" presetID="10" presetClass="entr" presetSubtype="0" fill="hold" nodeType="clickEffect">
+                                  <p:stCondLst>
+                                    <p:cond delay="0"/>
+                                  </p:stCondLst>
+                                  <p:childTnLst>
+                                    <p:set>
+                                      <p:cBhvr>
+                                        <p:cTn id="27" dur="1" fill="hold">
+                                          <p:stCondLst>
+                                            <p:cond delay="0"/>
+                                          </p:stCondLst>
+                                        </p:cTn>
                                         <p:tgtEl>
                                           <p:spTgt spid="3">
                                             <p:txEl>
-                                              <p:pRg st="6" end="6"/>
+                                              <p:pRg st="7" end="7"/>
                                             </p:txEl>
                                           </p:spTgt>
                                         </p:tgtEl>
                                         <p:attrNameLst>
-                                          <p:attrName>ppt_y</p:attrName>
+                                          <p:attrName>style.visibility</p:attrName>
                                         </p:attrNameLst>
                                       </p:cBhvr>
-                                      <p:tavLst>
-                                        <p:tav tm="0">
-                                          <p:val>
-                                            <p:strVal val="1+#ppt_h/2"/>
-                                          </p:val>
-                                        </p:tav>
-                                        <p:tav tm="100000">
-                                          <p:val>
-                                            <p:strVal val="#ppt_y"/>
-                                          </p:val>
-                                        </p:tav>
-                                      </p:tavLst>
-                                    </p:anim>
+                                      <p:to>
+                                        <p:strVal val="visible"/>
+                                      </p:to>
+                                    </p:set>
+                                    <p:animEffect transition="in" filter="fade">
+                                      <p:cBhvr>
+                                        <p:cTn id="28" dur="500"/>
+                                        <p:tgtEl>
+                                          <p:spTgt spid="3">
+                                            <p:txEl>
+                                              <p:pRg st="7" end="7"/>
+                                            </p:txEl>
+                                          </p:spTgt>
+                                        </p:tgtEl>
+                                      </p:cBhvr>
+                                    </p:animEffect>
                                   </p:childTnLst>
                                 </p:cTn>
                               </p:par>
@@ -4173,7 +4223,7 @@
           <p:cNvPr id="2" name="Title 1">
             <a:extLst>
               <a:ext uri="{FF2B5EF4-FFF2-40B4-BE49-F238E27FC236}">
-                <a16:creationId xmlns:a16="http://schemas.microsoft.com/office/drawing/2014/main" id="{B56D6FC8-666A-8367-7E35-93DF0CECE4BD}"/>
+                <a16:creationId xmlns:a16="http://schemas.microsoft.com/office/drawing/2014/main" id="{A2140E48-99D8-828C-A7C7-7569568672D4}"/>
               </a:ext>
             </a:extLst>
           </p:cNvPr>
@@ -4190,22 +4240,9 @@
           <a:lstStyle/>
           <a:p>
             <a:r>
-              <a:rPr lang="es-MX" dirty="0" err="1"/>
-              <a:t>Need</a:t>
-            </a:r>
-            <a:r>
-              <a:rPr lang="es-MX" dirty="0"/>
-              <a:t> </a:t>
-            </a:r>
-            <a:r>
-              <a:rPr lang="es-MX" dirty="0" err="1"/>
-              <a:t>cleaning</a:t>
-            </a:r>
-            <a:r>
-              <a:rPr lang="es-MX" dirty="0"/>
-              <a:t>?</a:t>
-            </a:r>
-            <a:endParaRPr lang="en-US" dirty="0"/>
+              <a:rPr lang="en-US" dirty="0"/>
+              <a:t>Need cleaning?</a:t>
+            </a:r>
           </a:p>
         </p:txBody>
       </p:sp>
@@ -4214,7 +4251,7 @@
           <p:cNvPr id="3" name="Content Placeholder 2">
             <a:extLst>
               <a:ext uri="{FF2B5EF4-FFF2-40B4-BE49-F238E27FC236}">
-                <a16:creationId xmlns:a16="http://schemas.microsoft.com/office/drawing/2014/main" id="{AFBDEC26-7198-2059-71AB-40375E59E75D}"/>
+                <a16:creationId xmlns:a16="http://schemas.microsoft.com/office/drawing/2014/main" id="{84E396FA-FAE0-036D-A570-9B403721FB6D}"/>
               </a:ext>
             </a:extLst>
           </p:cNvPr>
@@ -4230,24 +4267,25 @@
           <a:bodyPr/>
           <a:lstStyle/>
           <a:p>
+            <a:r>
+              <a:rPr lang="en-US" dirty="0"/>
+              <a:t>If your variable has unexpected values:</a:t>
+            </a:r>
+          </a:p>
+          <a:p>
+            <a:endParaRPr lang="en-US" dirty="0"/>
+          </a:p>
+          <a:p>
+            <a:pPr marL="514350" indent="-514350">
+              <a:buAutoNum type="arabicPeriod"/>
+            </a:pPr>
+            <a:r>
+              <a:rPr lang="en-US" dirty="0"/>
+              <a:t>Keep the good ones:</a:t>
+            </a:r>
+          </a:p>
+          <a:p>
             <a:pPr marL="0" indent="0">
-              <a:buNone/>
-            </a:pPr>
-            <a:r>
-              <a:rPr lang="en-US" dirty="0"/>
-              <a:t>Recode as missing using </a:t>
-            </a:r>
-            <a:r>
-              <a:rPr lang="en-US" dirty="0" err="1"/>
-              <a:t>ifelse</a:t>
-            </a:r>
-            <a:r>
-              <a:rPr lang="en-US" dirty="0"/>
-              <a:t>()</a:t>
-            </a:r>
-          </a:p>
-          <a:p>
-            <a:pPr marL="457200" lvl="1" indent="0">
               <a:buNone/>
             </a:pPr>
             <a:endParaRPr lang="en-US" dirty="0"/>
@@ -4258,7 +4296,7 @@
             </a:pPr>
             <a:r>
               <a:rPr lang="en-US" dirty="0"/>
-              <a:t>Old syntax: </a:t>
+              <a:t>Option 1: </a:t>
             </a:r>
             <a:r>
               <a:rPr lang="en-US" dirty="0" err="1"/>
@@ -4266,15 +4304,7 @@
             </a:r>
             <a:r>
               <a:rPr lang="en-US" dirty="0"/>
-              <a:t> %&gt;% mutate(</a:t>
-            </a:r>
-            <a:r>
-              <a:rPr lang="en-US" dirty="0" err="1"/>
-              <a:t>ifelse</a:t>
-            </a:r>
-            <a:r>
-              <a:rPr lang="en-US" dirty="0"/>
-              <a:t>(age&gt;100,NA,age)) -&gt; </a:t>
+              <a:t> %&gt;% filter(age&gt;100) -&gt; </a:t>
             </a:r>
             <a:r>
               <a:rPr lang="en-US" dirty="0" err="1"/>
@@ -4294,26 +4324,29 @@
             </a:pPr>
             <a:r>
               <a:rPr lang="en-US" dirty="0"/>
-              <a:t>New syntax: </a:t>
+              <a:t>Option 2: </a:t>
             </a:r>
             <a:r>
               <a:rPr lang="en-US" dirty="0" err="1"/>
-              <a:t>Dxl$age</a:t>
+              <a:t>Dxl</a:t>
             </a:r>
             <a:r>
               <a:rPr lang="en-US" dirty="0"/>
-              <a:t> &lt;- </a:t>
+              <a:t>&lt;-</a:t>
             </a:r>
             <a:r>
               <a:rPr lang="en-US" dirty="0" err="1"/>
-              <a:t>ifelse</a:t>
+              <a:t>Dxl</a:t>
             </a:r>
             <a:r>
               <a:rPr lang="en-US" dirty="0"/>
-              <a:t>(age&gt;100,NA,age)</a:t>
-            </a:r>
-          </a:p>
-          <a:p>
+              <a:t> %&gt;% filter(age&gt;100)</a:t>
+            </a:r>
+          </a:p>
+          <a:p>
+            <a:pPr marL="457200" lvl="1" indent="0">
+              <a:buNone/>
+            </a:pPr>
             <a:endParaRPr lang="en-US" dirty="0"/>
           </a:p>
         </p:txBody>
@@ -4321,7 +4354,7 @@
     </p:spTree>
     <p:extLst>
       <p:ext uri="{BB962C8B-B14F-4D97-AF65-F5344CB8AC3E}">
-        <p14:creationId xmlns:p14="http://schemas.microsoft.com/office/powerpoint/2010/main" val="4048530840"/>
+        <p14:creationId xmlns:p14="http://schemas.microsoft.com/office/powerpoint/2010/main" val="915042843"/>
       </p:ext>
     </p:extLst>
   </p:cSld>
@@ -4349,7 +4382,7 @@
                             </p:stCondLst>
                             <p:childTnLst>
                               <p:par>
-                                <p:cTn id="5" presetID="2" presetClass="entr" presetSubtype="4" fill="hold" nodeType="clickEffect">
+                                <p:cTn id="5" presetID="10" presetClass="entr" presetSubtype="0" fill="hold" nodeType="clickEffect">
                                   <p:stCondLst>
                                     <p:cond delay="0"/>
                                   </p:stCondLst>
@@ -4364,7 +4397,129 @@
                                         <p:tgtEl>
                                           <p:spTgt spid="3">
                                             <p:txEl>
+                                              <p:pRg st="0" end="0"/>
+                                            </p:txEl>
+                                          </p:spTgt>
+                                        </p:tgtEl>
+                                        <p:attrNameLst>
+                                          <p:attrName>style.visibility</p:attrName>
+                                        </p:attrNameLst>
+                                      </p:cBhvr>
+                                      <p:to>
+                                        <p:strVal val="visible"/>
+                                      </p:to>
+                                    </p:set>
+                                    <p:animEffect transition="in" filter="fade">
+                                      <p:cBhvr>
+                                        <p:cTn id="7" dur="500"/>
+                                        <p:tgtEl>
+                                          <p:spTgt spid="3">
+                                            <p:txEl>
+                                              <p:pRg st="0" end="0"/>
+                                            </p:txEl>
+                                          </p:spTgt>
+                                        </p:tgtEl>
+                                      </p:cBhvr>
+                                    </p:animEffect>
+                                  </p:childTnLst>
+                                </p:cTn>
+                              </p:par>
+                            </p:childTnLst>
+                          </p:cTn>
+                        </p:par>
+                      </p:childTnLst>
+                    </p:cTn>
+                  </p:par>
+                  <p:par>
+                    <p:cTn id="8" fill="hold">
+                      <p:stCondLst>
+                        <p:cond delay="indefinite"/>
+                      </p:stCondLst>
+                      <p:childTnLst>
+                        <p:par>
+                          <p:cTn id="9" fill="hold">
+                            <p:stCondLst>
+                              <p:cond delay="0"/>
+                            </p:stCondLst>
+                            <p:childTnLst>
+                              <p:par>
+                                <p:cTn id="10" presetID="10" presetClass="entr" presetSubtype="0" fill="hold" nodeType="clickEffect">
+                                  <p:stCondLst>
+                                    <p:cond delay="0"/>
+                                  </p:stCondLst>
+                                  <p:childTnLst>
+                                    <p:set>
+                                      <p:cBhvr>
+                                        <p:cTn id="11" dur="1" fill="hold">
+                                          <p:stCondLst>
+                                            <p:cond delay="0"/>
+                                          </p:stCondLst>
+                                        </p:cTn>
+                                        <p:tgtEl>
+                                          <p:spTgt spid="3">
+                                            <p:txEl>
                                               <p:pRg st="2" end="2"/>
+                                            </p:txEl>
+                                          </p:spTgt>
+                                        </p:tgtEl>
+                                        <p:attrNameLst>
+                                          <p:attrName>style.visibility</p:attrName>
+                                        </p:attrNameLst>
+                                      </p:cBhvr>
+                                      <p:to>
+                                        <p:strVal val="visible"/>
+                                      </p:to>
+                                    </p:set>
+                                    <p:animEffect transition="in" filter="fade">
+                                      <p:cBhvr>
+                                        <p:cTn id="12" dur="500"/>
+                                        <p:tgtEl>
+                                          <p:spTgt spid="3">
+                                            <p:txEl>
+                                              <p:pRg st="2" end="2"/>
+                                            </p:txEl>
+                                          </p:spTgt>
+                                        </p:tgtEl>
+                                      </p:cBhvr>
+                                    </p:animEffect>
+                                  </p:childTnLst>
+                                </p:cTn>
+                              </p:par>
+                            </p:childTnLst>
+                          </p:cTn>
+                        </p:par>
+                      </p:childTnLst>
+                    </p:cTn>
+                  </p:par>
+                  <p:par>
+                    <p:cTn id="13" fill="hold">
+                      <p:stCondLst>
+                        <p:cond delay="indefinite"/>
+                      </p:stCondLst>
+                      <p:childTnLst>
+                        <p:par>
+                          <p:cTn id="14" fill="hold">
+                            <p:stCondLst>
+                              <p:cond delay="0"/>
+                            </p:stCondLst>
+                            <p:childTnLst>
+                              <p:par>
+                                <p:cTn id="15" presetID="2" presetClass="entr" presetSubtype="4" fill="hold" nodeType="clickEffect">
+                                  <p:stCondLst>
+                                    <p:cond delay="0"/>
+                                  </p:stCondLst>
+                                  <p:childTnLst>
+                                    <p:set>
+                                      <p:cBhvr>
+                                        <p:cTn id="16" dur="1" fill="hold">
+                                          <p:stCondLst>
+                                            <p:cond delay="0"/>
+                                          </p:stCondLst>
+                                        </p:cTn>
+                                        <p:tgtEl>
+                                          <p:spTgt spid="3">
+                                            <p:txEl>
+                                              <p:pRg st="4" end="4"/>
                                             </p:txEl>
                                           </p:spTgt>
                                         </p:tgtEl>
@@ -4378,11 +4533,11 @@
                                     </p:set>
                                     <p:anim calcmode="lin" valueType="num">
                                       <p:cBhvr additive="base">
-                                        <p:cTn id="7" dur="500" fill="hold"/>
+                                        <p:cTn id="17" dur="500" fill="hold"/>
                                         <p:tgtEl>
                                           <p:spTgt spid="3">
                                             <p:txEl>
-                                              <p:pRg st="2" end="2"/>
+                                              <p:pRg st="4" end="4"/>
                                             </p:txEl>
                                           </p:spTgt>
                                         </p:tgtEl>
@@ -4405,11 +4560,11 @@
                                     </p:anim>
                                     <p:anim calcmode="lin" valueType="num">
                                       <p:cBhvr additive="base">
-                                        <p:cTn id="8" dur="500" fill="hold"/>
+                                        <p:cTn id="18" dur="500" fill="hold"/>
                                         <p:tgtEl>
                                           <p:spTgt spid="3">
                                             <p:txEl>
-                                              <p:pRg st="2" end="2"/>
+                                              <p:pRg st="4" end="4"/>
                                             </p:txEl>
                                           </p:spTgt>
                                         </p:tgtEl>
@@ -4440,26 +4595,26 @@
                     </p:cTn>
                   </p:par>
                   <p:par>
-                    <p:cTn id="9" fill="hold">
+                    <p:cTn id="19" fill="hold">
                       <p:stCondLst>
                         <p:cond delay="indefinite"/>
                       </p:stCondLst>
                       <p:childTnLst>
                         <p:par>
-                          <p:cTn id="10" fill="hold">
+                          <p:cTn id="20" fill="hold">
                             <p:stCondLst>
                               <p:cond delay="0"/>
                             </p:stCondLst>
                             <p:childTnLst>
                               <p:par>
-                                <p:cTn id="11" presetID="2" presetClass="entr" presetSubtype="4" fill="hold" nodeType="clickEffect">
+                                <p:cTn id="21" presetID="2" presetClass="entr" presetSubtype="4" fill="hold" nodeType="clickEffect">
                                   <p:stCondLst>
                                     <p:cond delay="0"/>
                                   </p:stCondLst>
                                   <p:childTnLst>
                                     <p:set>
                                       <p:cBhvr>
-                                        <p:cTn id="12" dur="1" fill="hold">
+                                        <p:cTn id="22" dur="1" fill="hold">
                                           <p:stCondLst>
                                             <p:cond delay="0"/>
                                           </p:stCondLst>
@@ -4467,7 +4622,7 @@
                                         <p:tgtEl>
                                           <p:spTgt spid="3">
                                             <p:txEl>
-                                              <p:pRg st="4" end="4"/>
+                                              <p:pRg st="6" end="6"/>
                                             </p:txEl>
                                           </p:spTgt>
                                         </p:tgtEl>
@@ -4481,11 +4636,11 @@
                                     </p:set>
                                     <p:anim calcmode="lin" valueType="num">
                                       <p:cBhvr additive="base">
-                                        <p:cTn id="13" dur="500" fill="hold"/>
+                                        <p:cTn id="23" dur="500" fill="hold"/>
                                         <p:tgtEl>
                                           <p:spTgt spid="3">
                                             <p:txEl>
-                                              <p:pRg st="4" end="4"/>
+                                              <p:pRg st="6" end="6"/>
                                             </p:txEl>
                                           </p:spTgt>
                                         </p:tgtEl>
@@ -4508,11 +4663,11 @@
                                     </p:anim>
                                     <p:anim calcmode="lin" valueType="num">
                                       <p:cBhvr additive="base">
-                                        <p:cTn id="14" dur="500" fill="hold"/>
+                                        <p:cTn id="24" dur="500" fill="hold"/>
                                         <p:tgtEl>
                                           <p:spTgt spid="3">
                                             <p:txEl>
-                                              <p:pRg st="4" end="4"/>
+                                              <p:pRg st="6" end="6"/>
                                             </p:txEl>
                                           </p:spTgt>
                                         </p:tgtEl>
@@ -4589,6 +4744,430 @@
           <p:cNvPr id="2" name="Title 1">
             <a:extLst>
               <a:ext uri="{FF2B5EF4-FFF2-40B4-BE49-F238E27FC236}">
+                <a16:creationId xmlns:a16="http://schemas.microsoft.com/office/drawing/2014/main" id="{B56D6FC8-666A-8367-7E35-93DF0CECE4BD}"/>
+              </a:ext>
+            </a:extLst>
+          </p:cNvPr>
+          <p:cNvSpPr>
+            <a:spLocks noGrp="1"/>
+          </p:cNvSpPr>
+          <p:nvPr>
+            <p:ph type="title"/>
+          </p:nvPr>
+        </p:nvSpPr>
+        <p:spPr/>
+        <p:txBody>
+          <a:bodyPr/>
+          <a:lstStyle/>
+          <a:p>
+            <a:r>
+              <a:rPr lang="es-MX" dirty="0" err="1"/>
+              <a:t>Need</a:t>
+            </a:r>
+            <a:r>
+              <a:rPr lang="es-MX" dirty="0"/>
+              <a:t> </a:t>
+            </a:r>
+            <a:r>
+              <a:rPr lang="es-MX" dirty="0" err="1"/>
+              <a:t>cleaning</a:t>
+            </a:r>
+            <a:r>
+              <a:rPr lang="es-MX" dirty="0"/>
+              <a:t>?</a:t>
+            </a:r>
+            <a:endParaRPr lang="en-US" dirty="0"/>
+          </a:p>
+        </p:txBody>
+      </p:sp>
+      <p:sp>
+        <p:nvSpPr>
+          <p:cNvPr id="3" name="Content Placeholder 2">
+            <a:extLst>
+              <a:ext uri="{FF2B5EF4-FFF2-40B4-BE49-F238E27FC236}">
+                <a16:creationId xmlns:a16="http://schemas.microsoft.com/office/drawing/2014/main" id="{AFBDEC26-7198-2059-71AB-40375E59E75D}"/>
+              </a:ext>
+            </a:extLst>
+          </p:cNvPr>
+          <p:cNvSpPr>
+            <a:spLocks noGrp="1"/>
+          </p:cNvSpPr>
+          <p:nvPr>
+            <p:ph idx="1"/>
+          </p:nvPr>
+        </p:nvSpPr>
+        <p:spPr/>
+        <p:txBody>
+          <a:bodyPr/>
+          <a:lstStyle/>
+          <a:p>
+            <a:pPr marL="0" indent="0">
+              <a:buNone/>
+            </a:pPr>
+            <a:r>
+              <a:rPr lang="en-US" dirty="0"/>
+              <a:t>Recode as missing using </a:t>
+            </a:r>
+            <a:r>
+              <a:rPr lang="en-US" dirty="0" err="1"/>
+              <a:t>ifelse</a:t>
+            </a:r>
+            <a:r>
+              <a:rPr lang="en-US" dirty="0"/>
+              <a:t>()</a:t>
+            </a:r>
+          </a:p>
+          <a:p>
+            <a:pPr marL="457200" lvl="1" indent="0">
+              <a:buNone/>
+            </a:pPr>
+            <a:endParaRPr lang="en-US" dirty="0"/>
+          </a:p>
+          <a:p>
+            <a:pPr marL="457200" lvl="1" indent="0">
+              <a:buNone/>
+            </a:pPr>
+            <a:r>
+              <a:rPr lang="en-US" dirty="0"/>
+              <a:t>New  syntax: </a:t>
+            </a:r>
+            <a:r>
+              <a:rPr lang="en-US" dirty="0" err="1"/>
+              <a:t>Dxl</a:t>
+            </a:r>
+            <a:r>
+              <a:rPr lang="en-US" dirty="0"/>
+              <a:t> %&gt;% mutate(</a:t>
+            </a:r>
+            <a:r>
+              <a:rPr lang="en-US" dirty="0" err="1"/>
+              <a:t>ifelse</a:t>
+            </a:r>
+            <a:r>
+              <a:rPr lang="en-US" dirty="0"/>
+              <a:t>(age&gt;100,NA,age)) -&gt; </a:t>
+            </a:r>
+            <a:r>
+              <a:rPr lang="en-US" dirty="0" err="1"/>
+              <a:t>Dxl</a:t>
+            </a:r>
+            <a:endParaRPr lang="en-US" dirty="0"/>
+          </a:p>
+          <a:p>
+            <a:pPr marL="457200" lvl="1" indent="0">
+              <a:buNone/>
+            </a:pPr>
+            <a:endParaRPr lang="en-US" dirty="0"/>
+          </a:p>
+          <a:p>
+            <a:pPr marL="457200" lvl="1" indent="0">
+              <a:buNone/>
+            </a:pPr>
+            <a:r>
+              <a:rPr lang="en-US" dirty="0"/>
+              <a:t>Old syntax: </a:t>
+            </a:r>
+            <a:r>
+              <a:rPr lang="en-US" dirty="0" err="1"/>
+              <a:t>Dxl$age</a:t>
+            </a:r>
+            <a:r>
+              <a:rPr lang="en-US" dirty="0"/>
+              <a:t> &lt;- </a:t>
+            </a:r>
+            <a:r>
+              <a:rPr lang="en-US" dirty="0" err="1"/>
+              <a:t>ifelse</a:t>
+            </a:r>
+            <a:r>
+              <a:rPr lang="en-US" dirty="0"/>
+              <a:t>(</a:t>
+            </a:r>
+            <a:r>
+              <a:rPr lang="en-US" dirty="0" err="1"/>
+              <a:t>Dxl$age</a:t>
+            </a:r>
+            <a:r>
+              <a:rPr lang="en-US" dirty="0"/>
+              <a:t>&gt;100,NA,Dxl$age)</a:t>
+            </a:r>
+          </a:p>
+          <a:p>
+            <a:endParaRPr lang="en-US" dirty="0"/>
+          </a:p>
+        </p:txBody>
+      </p:sp>
+    </p:spTree>
+    <p:extLst>
+      <p:ext uri="{BB962C8B-B14F-4D97-AF65-F5344CB8AC3E}">
+        <p14:creationId xmlns:p14="http://schemas.microsoft.com/office/powerpoint/2010/main" val="4048530840"/>
+      </p:ext>
+    </p:extLst>
+  </p:cSld>
+  <p:clrMapOvr>
+    <a:masterClrMapping/>
+  </p:clrMapOvr>
+  <p:timing>
+    <p:tnLst>
+      <p:par>
+        <p:cTn id="1" dur="indefinite" restart="never" nodeType="tmRoot">
+          <p:childTnLst>
+            <p:seq concurrent="1" nextAc="seek">
+              <p:cTn id="2" dur="indefinite" nodeType="mainSeq">
+                <p:childTnLst>
+                  <p:par>
+                    <p:cTn id="3" fill="hold">
+                      <p:stCondLst>
+                        <p:cond delay="indefinite"/>
+                      </p:stCondLst>
+                      <p:childTnLst>
+                        <p:par>
+                          <p:cTn id="4" fill="hold">
+                            <p:stCondLst>
+                              <p:cond delay="0"/>
+                            </p:stCondLst>
+                            <p:childTnLst>
+                              <p:par>
+                                <p:cTn id="5" presetID="2" presetClass="entr" presetSubtype="4" fill="hold" nodeType="clickEffect">
+                                  <p:stCondLst>
+                                    <p:cond delay="0"/>
+                                  </p:stCondLst>
+                                  <p:childTnLst>
+                                    <p:set>
+                                      <p:cBhvr>
+                                        <p:cTn id="6" dur="1" fill="hold">
+                                          <p:stCondLst>
+                                            <p:cond delay="0"/>
+                                          </p:stCondLst>
+                                        </p:cTn>
+                                        <p:tgtEl>
+                                          <p:spTgt spid="3">
+                                            <p:txEl>
+                                              <p:pRg st="2" end="2"/>
+                                            </p:txEl>
+                                          </p:spTgt>
+                                        </p:tgtEl>
+                                        <p:attrNameLst>
+                                          <p:attrName>style.visibility</p:attrName>
+                                        </p:attrNameLst>
+                                      </p:cBhvr>
+                                      <p:to>
+                                        <p:strVal val="visible"/>
+                                      </p:to>
+                                    </p:set>
+                                    <p:anim calcmode="lin" valueType="num">
+                                      <p:cBhvr additive="base">
+                                        <p:cTn id="7" dur="500" fill="hold"/>
+                                        <p:tgtEl>
+                                          <p:spTgt spid="3">
+                                            <p:txEl>
+                                              <p:pRg st="2" end="2"/>
+                                            </p:txEl>
+                                          </p:spTgt>
+                                        </p:tgtEl>
+                                        <p:attrNameLst>
+                                          <p:attrName>ppt_x</p:attrName>
+                                        </p:attrNameLst>
+                                      </p:cBhvr>
+                                      <p:tavLst>
+                                        <p:tav tm="0">
+                                          <p:val>
+                                            <p:strVal val="#ppt_x"/>
+                                          </p:val>
+                                        </p:tav>
+                                        <p:tav tm="100000">
+                                          <p:val>
+                                            <p:strVal val="#ppt_x"/>
+                                          </p:val>
+                                        </p:tav>
+                                      </p:tavLst>
+                                    </p:anim>
+                                    <p:anim calcmode="lin" valueType="num">
+                                      <p:cBhvr additive="base">
+                                        <p:cTn id="8" dur="500" fill="hold"/>
+                                        <p:tgtEl>
+                                          <p:spTgt spid="3">
+                                            <p:txEl>
+                                              <p:pRg st="2" end="2"/>
+                                            </p:txEl>
+                                          </p:spTgt>
+                                        </p:tgtEl>
+                                        <p:attrNameLst>
+                                          <p:attrName>ppt_y</p:attrName>
+                                        </p:attrNameLst>
+                                      </p:cBhvr>
+                                      <p:tavLst>
+                                        <p:tav tm="0">
+                                          <p:val>
+                                            <p:strVal val="1+#ppt_h/2"/>
+                                          </p:val>
+                                        </p:tav>
+                                        <p:tav tm="100000">
+                                          <p:val>
+                                            <p:strVal val="#ppt_y"/>
+                                          </p:val>
+                                        </p:tav>
+                                      </p:tavLst>
+                                    </p:anim>
+                                  </p:childTnLst>
+                                </p:cTn>
+                              </p:par>
+                            </p:childTnLst>
+                          </p:cTn>
+                        </p:par>
+                      </p:childTnLst>
+                    </p:cTn>
+                  </p:par>
+                  <p:par>
+                    <p:cTn id="9" fill="hold">
+                      <p:stCondLst>
+                        <p:cond delay="indefinite"/>
+                      </p:stCondLst>
+                      <p:childTnLst>
+                        <p:par>
+                          <p:cTn id="10" fill="hold">
+                            <p:stCondLst>
+                              <p:cond delay="0"/>
+                            </p:stCondLst>
+                            <p:childTnLst>
+                              <p:par>
+                                <p:cTn id="11" presetID="2" presetClass="entr" presetSubtype="4" fill="hold" nodeType="clickEffect">
+                                  <p:stCondLst>
+                                    <p:cond delay="0"/>
+                                  </p:stCondLst>
+                                  <p:childTnLst>
+                                    <p:set>
+                                      <p:cBhvr>
+                                        <p:cTn id="12" dur="1" fill="hold">
+                                          <p:stCondLst>
+                                            <p:cond delay="0"/>
+                                          </p:stCondLst>
+                                        </p:cTn>
+                                        <p:tgtEl>
+                                          <p:spTgt spid="3">
+                                            <p:txEl>
+                                              <p:pRg st="4" end="4"/>
+                                            </p:txEl>
+                                          </p:spTgt>
+                                        </p:tgtEl>
+                                        <p:attrNameLst>
+                                          <p:attrName>style.visibility</p:attrName>
+                                        </p:attrNameLst>
+                                      </p:cBhvr>
+                                      <p:to>
+                                        <p:strVal val="visible"/>
+                                      </p:to>
+                                    </p:set>
+                                    <p:anim calcmode="lin" valueType="num">
+                                      <p:cBhvr additive="base">
+                                        <p:cTn id="13" dur="500" fill="hold"/>
+                                        <p:tgtEl>
+                                          <p:spTgt spid="3">
+                                            <p:txEl>
+                                              <p:pRg st="4" end="4"/>
+                                            </p:txEl>
+                                          </p:spTgt>
+                                        </p:tgtEl>
+                                        <p:attrNameLst>
+                                          <p:attrName>ppt_x</p:attrName>
+                                        </p:attrNameLst>
+                                      </p:cBhvr>
+                                      <p:tavLst>
+                                        <p:tav tm="0">
+                                          <p:val>
+                                            <p:strVal val="#ppt_x"/>
+                                          </p:val>
+                                        </p:tav>
+                                        <p:tav tm="100000">
+                                          <p:val>
+                                            <p:strVal val="#ppt_x"/>
+                                          </p:val>
+                                        </p:tav>
+                                      </p:tavLst>
+                                    </p:anim>
+                                    <p:anim calcmode="lin" valueType="num">
+                                      <p:cBhvr additive="base">
+                                        <p:cTn id="14" dur="500" fill="hold"/>
+                                        <p:tgtEl>
+                                          <p:spTgt spid="3">
+                                            <p:txEl>
+                                              <p:pRg st="4" end="4"/>
+                                            </p:txEl>
+                                          </p:spTgt>
+                                        </p:tgtEl>
+                                        <p:attrNameLst>
+                                          <p:attrName>ppt_y</p:attrName>
+                                        </p:attrNameLst>
+                                      </p:cBhvr>
+                                      <p:tavLst>
+                                        <p:tav tm="0">
+                                          <p:val>
+                                            <p:strVal val="1+#ppt_h/2"/>
+                                          </p:val>
+                                        </p:tav>
+                                        <p:tav tm="100000">
+                                          <p:val>
+                                            <p:strVal val="#ppt_y"/>
+                                          </p:val>
+                                        </p:tav>
+                                      </p:tavLst>
+                                    </p:anim>
+                                  </p:childTnLst>
+                                </p:cTn>
+                              </p:par>
+                            </p:childTnLst>
+                          </p:cTn>
+                        </p:par>
+                      </p:childTnLst>
+                    </p:cTn>
+                  </p:par>
+                </p:childTnLst>
+              </p:cTn>
+              <p:prevCondLst>
+                <p:cond evt="onPrev" delay="0">
+                  <p:tgtEl>
+                    <p:sldTgt/>
+                  </p:tgtEl>
+                </p:cond>
+              </p:prevCondLst>
+              <p:nextCondLst>
+                <p:cond evt="onNext" delay="0">
+                  <p:tgtEl>
+                    <p:sldTgt/>
+                  </p:tgtEl>
+                </p:cond>
+              </p:nextCondLst>
+            </p:seq>
+          </p:childTnLst>
+        </p:cTn>
+      </p:par>
+    </p:tnLst>
+  </p:timing>
+</p:sld>
+</file>
+
+<file path=ppt/slides/slide13.xml><?xml version="1.0" encoding="utf-8"?>
+<p:sld xmlns:a="http://schemas.openxmlformats.org/drawingml/2006/main" xmlns:r="http://schemas.openxmlformats.org/officeDocument/2006/relationships" xmlns:p="http://schemas.openxmlformats.org/presentationml/2006/main">
+  <p:cSld>
+    <p:spTree>
+      <p:nvGrpSpPr>
+        <p:cNvPr id="1" name=""/>
+        <p:cNvGrpSpPr/>
+        <p:nvPr/>
+      </p:nvGrpSpPr>
+      <p:grpSpPr>
+        <a:xfrm>
+          <a:off x="0" y="0"/>
+          <a:ext cx="0" cy="0"/>
+          <a:chOff x="0" y="0"/>
+          <a:chExt cx="0" cy="0"/>
+        </a:xfrm>
+      </p:grpSpPr>
+      <p:sp>
+        <p:nvSpPr>
+          <p:cNvPr id="2" name="Title 1">
+            <a:extLst>
+              <a:ext uri="{FF2B5EF4-FFF2-40B4-BE49-F238E27FC236}">
                 <a16:creationId xmlns:a16="http://schemas.microsoft.com/office/drawing/2014/main" id="{27167C70-6134-2B88-C58A-BCFE0A7952D6}"/>
               </a:ext>
             </a:extLst>
@@ -4654,12 +5233,8 @@
               <a:buNone/>
             </a:pPr>
             <a:r>
-              <a:rPr lang="en-US" dirty="0" err="1"/>
-              <a:t>Dxl</a:t>
-            </a:r>
-            <a:r>
               <a:rPr lang="en-US" dirty="0"/>
-              <a:t>&lt;-</a:t>
+              <a:t>D&lt;-</a:t>
             </a:r>
             <a:r>
               <a:rPr lang="en-US" dirty="0" err="1"/>
@@ -4690,15 +5265,7 @@
             </a:pPr>
             <a:r>
               <a:rPr lang="en-US" dirty="0"/>
-              <a:t>New </a:t>
-            </a:r>
-            <a:r>
-              <a:rPr lang="en-US"/>
-              <a:t>R pipeline syntax</a:t>
-            </a:r>
-            <a:r>
-              <a:rPr lang="en-US" dirty="0"/>
-              <a:t>:</a:t>
+              <a:t>New R pipeline syntax:</a:t>
             </a:r>
           </a:p>
           <a:p>
@@ -4722,15 +5289,15 @@
             </a:pPr>
             <a:r>
               <a:rPr lang="en-US" dirty="0"/>
-              <a:t>  mutate(</a:t>
-            </a:r>
-            <a:r>
-              <a:rPr lang="en-US" dirty="0" err="1"/>
-              <a:t>Dxl</a:t>
+              <a:t>  mutate</a:t>
+            </a:r>
+            <a:r>
+              <a:rPr lang="en-US"/>
+              <a:t>(sex </a:t>
             </a:r>
             <a:r>
               <a:rPr lang="en-US" dirty="0"/>
-              <a:t> = </a:t>
+              <a:t>= </a:t>
             </a:r>
             <a:r>
               <a:rPr lang="en-US" dirty="0" err="1"/>
@@ -5173,6 +5740,209 @@
       </p:par>
     </p:tnLst>
   </p:timing>
+</p:sld>
+</file>
+
+<file path=ppt/slides/slide14.xml><?xml version="1.0" encoding="utf-8"?>
+<p:sld xmlns:a="http://schemas.openxmlformats.org/drawingml/2006/main" xmlns:r="http://schemas.openxmlformats.org/officeDocument/2006/relationships" xmlns:p="http://schemas.openxmlformats.org/presentationml/2006/main">
+  <p:cSld>
+    <p:spTree>
+      <p:nvGrpSpPr>
+        <p:cNvPr id="1" name=""/>
+        <p:cNvGrpSpPr/>
+        <p:nvPr/>
+      </p:nvGrpSpPr>
+      <p:grpSpPr>
+        <a:xfrm>
+          <a:off x="0" y="0"/>
+          <a:ext cx="0" cy="0"/>
+          <a:chOff x="0" y="0"/>
+          <a:chExt cx="0" cy="0"/>
+        </a:xfrm>
+      </p:grpSpPr>
+      <p:sp>
+        <p:nvSpPr>
+          <p:cNvPr id="2" name="Title 1">
+            <a:extLst>
+              <a:ext uri="{FF2B5EF4-FFF2-40B4-BE49-F238E27FC236}">
+                <a16:creationId xmlns:a16="http://schemas.microsoft.com/office/drawing/2014/main" id="{7AC2BD5A-9DEF-ABDC-F43F-4235BFF667DE}"/>
+              </a:ext>
+            </a:extLst>
+          </p:cNvPr>
+          <p:cNvSpPr>
+            <a:spLocks noGrp="1"/>
+          </p:cNvSpPr>
+          <p:nvPr>
+            <p:ph type="title"/>
+          </p:nvPr>
+        </p:nvSpPr>
+        <p:spPr/>
+        <p:txBody>
+          <a:bodyPr/>
+          <a:lstStyle/>
+          <a:p>
+            <a:r>
+              <a:rPr lang="es-MX" dirty="0"/>
+              <a:t>Plan </a:t>
+            </a:r>
+            <a:r>
+              <a:rPr lang="es-MX" dirty="0" err="1"/>
+              <a:t>for</a:t>
+            </a:r>
+            <a:r>
+              <a:rPr lang="es-MX" dirty="0"/>
+              <a:t> </a:t>
+            </a:r>
+            <a:r>
+              <a:rPr lang="es-MX" dirty="0" err="1"/>
+              <a:t>today</a:t>
+            </a:r>
+            <a:endParaRPr lang="en-US" dirty="0"/>
+          </a:p>
+        </p:txBody>
+      </p:sp>
+      <p:sp>
+        <p:nvSpPr>
+          <p:cNvPr id="3" name="Content Placeholder 2">
+            <a:extLst>
+              <a:ext uri="{FF2B5EF4-FFF2-40B4-BE49-F238E27FC236}">
+                <a16:creationId xmlns:a16="http://schemas.microsoft.com/office/drawing/2014/main" id="{133772F7-DAA5-C482-8A2E-AF7FD8527391}"/>
+              </a:ext>
+            </a:extLst>
+          </p:cNvPr>
+          <p:cNvSpPr>
+            <a:spLocks noGrp="1"/>
+          </p:cNvSpPr>
+          <p:nvPr>
+            <p:ph idx="1"/>
+          </p:nvPr>
+        </p:nvSpPr>
+        <p:spPr/>
+        <p:txBody>
+          <a:bodyPr>
+            <a:normAutofit/>
+          </a:bodyPr>
+          <a:lstStyle/>
+          <a:p>
+            <a:pPr marL="514350" indent="-514350">
+              <a:buAutoNum type="arabicPeriod"/>
+            </a:pPr>
+            <a:r>
+              <a:rPr lang="es-MX" sz="4400" dirty="0" err="1"/>
+              <a:t>Combining</a:t>
+            </a:r>
+            <a:r>
+              <a:rPr lang="es-MX" sz="4400" dirty="0"/>
+              <a:t> files</a:t>
+            </a:r>
+          </a:p>
+          <a:p>
+            <a:pPr marL="514350" indent="-514350">
+              <a:buAutoNum type="arabicPeriod"/>
+            </a:pPr>
+            <a:r>
+              <a:rPr lang="es-MX" sz="4400" dirty="0" err="1"/>
+              <a:t>Importing</a:t>
+            </a:r>
+            <a:r>
+              <a:rPr lang="es-MX" sz="4400" dirty="0"/>
+              <a:t> </a:t>
+            </a:r>
+            <a:r>
+              <a:rPr lang="es-MX" sz="4400" dirty="0" err="1"/>
+              <a:t>multiple</a:t>
+            </a:r>
+            <a:r>
+              <a:rPr lang="es-MX" sz="4400" dirty="0"/>
+              <a:t> </a:t>
+            </a:r>
+            <a:r>
+              <a:rPr lang="es-MX" sz="4400" dirty="0" err="1"/>
+              <a:t>spreadsheets</a:t>
+            </a:r>
+            <a:r>
+              <a:rPr lang="es-MX" sz="4400" dirty="0"/>
+              <a:t> in R</a:t>
+            </a:r>
+          </a:p>
+          <a:p>
+            <a:pPr marL="514350" indent="-514350">
+              <a:buAutoNum type="arabicPeriod"/>
+            </a:pPr>
+            <a:r>
+              <a:rPr lang="es-MX" sz="4400" dirty="0" err="1"/>
+              <a:t>Importing</a:t>
+            </a:r>
+            <a:r>
+              <a:rPr lang="es-MX" sz="4400" dirty="0"/>
+              <a:t> </a:t>
+            </a:r>
+            <a:r>
+              <a:rPr lang="es-MX" sz="4400" dirty="0" err="1"/>
+              <a:t>the</a:t>
+            </a:r>
+            <a:r>
+              <a:rPr lang="es-MX" sz="4400" dirty="0"/>
+              <a:t> HIES and </a:t>
+            </a:r>
+            <a:r>
+              <a:rPr lang="es-MX" sz="4400" dirty="0" err="1"/>
+              <a:t>basic</a:t>
+            </a:r>
+            <a:r>
+              <a:rPr lang="es-MX" sz="4400" dirty="0"/>
+              <a:t> </a:t>
+            </a:r>
+            <a:r>
+              <a:rPr lang="es-MX" sz="4400" dirty="0" err="1"/>
+              <a:t>tabulations</a:t>
+            </a:r>
+            <a:endParaRPr lang="es-MX" sz="4400" dirty="0"/>
+          </a:p>
+          <a:p>
+            <a:pPr marL="514350" indent="-514350">
+              <a:buAutoNum type="arabicPeriod"/>
+            </a:pPr>
+            <a:r>
+              <a:rPr lang="es-MX" sz="4400" dirty="0"/>
+              <a:t>Final </a:t>
+            </a:r>
+            <a:r>
+              <a:rPr lang="es-MX" sz="4400" dirty="0" err="1"/>
+              <a:t>excercise</a:t>
+            </a:r>
+            <a:endParaRPr lang="es-MX" sz="4400" dirty="0"/>
+          </a:p>
+          <a:p>
+            <a:pPr marL="514350" indent="-514350">
+              <a:buAutoNum type="arabicPeriod"/>
+            </a:pPr>
+            <a:r>
+              <a:rPr lang="es-MX" sz="4400" dirty="0" err="1"/>
+              <a:t>Further</a:t>
+            </a:r>
+            <a:r>
+              <a:rPr lang="es-MX" sz="4400" dirty="0"/>
+              <a:t> </a:t>
+            </a:r>
+            <a:r>
+              <a:rPr lang="es-MX" sz="4400" dirty="0" err="1"/>
+              <a:t>topics</a:t>
+            </a:r>
+            <a:endParaRPr lang="es-MX" sz="4400" dirty="0"/>
+          </a:p>
+        </p:txBody>
+      </p:sp>
+    </p:spTree>
+    <p:extLst>
+      <p:ext uri="{BB962C8B-B14F-4D97-AF65-F5344CB8AC3E}">
+        <p14:creationId xmlns:p14="http://schemas.microsoft.com/office/powerpoint/2010/main" val="2680499969"/>
+      </p:ext>
+    </p:extLst>
+  </p:cSld>
+  <p:clrMapOvr>
+    <a:masterClrMapping/>
+  </p:clrMapOvr>
 </p:sld>
 </file>
 
@@ -6366,6 +7136,271 @@
           <p:cNvPr id="2" name="Title 1">
             <a:extLst>
               <a:ext uri="{FF2B5EF4-FFF2-40B4-BE49-F238E27FC236}">
+                <a16:creationId xmlns:a16="http://schemas.microsoft.com/office/drawing/2014/main" id="{E7920AF5-36CC-5A7F-F80D-021BCC7DD84E}"/>
+              </a:ext>
+            </a:extLst>
+          </p:cNvPr>
+          <p:cNvSpPr>
+            <a:spLocks noGrp="1"/>
+          </p:cNvSpPr>
+          <p:nvPr>
+            <p:ph type="title"/>
+          </p:nvPr>
+        </p:nvSpPr>
+        <p:spPr/>
+        <p:txBody>
+          <a:bodyPr/>
+          <a:lstStyle/>
+          <a:p>
+            <a:r>
+              <a:rPr lang="es-MX" dirty="0" err="1"/>
+              <a:t>Tips</a:t>
+            </a:r>
+            <a:endParaRPr lang="en-US" dirty="0"/>
+          </a:p>
+        </p:txBody>
+      </p:sp>
+      <p:sp>
+        <p:nvSpPr>
+          <p:cNvPr id="3" name="Content Placeholder 2">
+            <a:extLst>
+              <a:ext uri="{FF2B5EF4-FFF2-40B4-BE49-F238E27FC236}">
+                <a16:creationId xmlns:a16="http://schemas.microsoft.com/office/drawing/2014/main" id="{A9376E4F-494D-AE6A-5847-5D97B620EA42}"/>
+              </a:ext>
+            </a:extLst>
+          </p:cNvPr>
+          <p:cNvSpPr>
+            <a:spLocks noGrp="1"/>
+          </p:cNvSpPr>
+          <p:nvPr>
+            <p:ph idx="1"/>
+          </p:nvPr>
+        </p:nvSpPr>
+        <p:spPr/>
+        <p:txBody>
+          <a:bodyPr/>
+          <a:lstStyle/>
+          <a:p>
+            <a:r>
+              <a:rPr lang="es-MX" dirty="0" err="1"/>
+              <a:t>All</a:t>
+            </a:r>
+            <a:r>
+              <a:rPr lang="es-MX" dirty="0"/>
+              <a:t> </a:t>
+            </a:r>
+            <a:r>
+              <a:rPr lang="es-MX" dirty="0" err="1"/>
+              <a:t>the</a:t>
+            </a:r>
+            <a:r>
+              <a:rPr lang="es-MX" dirty="0"/>
+              <a:t> files </a:t>
+            </a:r>
+            <a:r>
+              <a:rPr lang="es-MX" dirty="0" err="1"/>
+              <a:t>should</a:t>
+            </a:r>
+            <a:r>
+              <a:rPr lang="es-MX" dirty="0"/>
+              <a:t> be in </a:t>
+            </a:r>
+            <a:r>
+              <a:rPr lang="es-MX" dirty="0" err="1"/>
+              <a:t>the</a:t>
+            </a:r>
+            <a:r>
+              <a:rPr lang="es-MX" dirty="0"/>
+              <a:t> </a:t>
+            </a:r>
+            <a:r>
+              <a:rPr lang="es-MX" b="1" dirty="0" err="1"/>
+              <a:t>same</a:t>
+            </a:r>
+            <a:r>
+              <a:rPr lang="es-MX" b="1" dirty="0"/>
+              <a:t> folder</a:t>
+            </a:r>
+            <a:r>
+              <a:rPr lang="es-MX" dirty="0"/>
+              <a:t>! </a:t>
+            </a:r>
+          </a:p>
+          <a:p>
+            <a:endParaRPr lang="es-MX" dirty="0"/>
+          </a:p>
+          <a:p>
+            <a:r>
+              <a:rPr lang="es-MX" dirty="0" err="1"/>
+              <a:t>Create</a:t>
+            </a:r>
+            <a:r>
+              <a:rPr lang="es-MX" dirty="0"/>
+              <a:t> </a:t>
+            </a:r>
+            <a:r>
+              <a:rPr lang="es-MX" dirty="0" err="1"/>
+              <a:t>just</a:t>
+            </a:r>
+            <a:r>
+              <a:rPr lang="es-MX" dirty="0"/>
+              <a:t> </a:t>
+            </a:r>
+            <a:r>
+              <a:rPr lang="es-MX" dirty="0" err="1"/>
+              <a:t>one</a:t>
+            </a:r>
+            <a:r>
+              <a:rPr lang="es-MX" dirty="0"/>
+              <a:t> </a:t>
+            </a:r>
+            <a:r>
+              <a:rPr lang="es-MX" dirty="0" err="1"/>
+              <a:t>working</a:t>
+            </a:r>
+            <a:r>
+              <a:rPr lang="es-MX" dirty="0"/>
+              <a:t> folder per Project</a:t>
+            </a:r>
+          </a:p>
+          <a:p>
+            <a:endParaRPr lang="es-MX" dirty="0"/>
+          </a:p>
+          <a:p>
+            <a:r>
+              <a:rPr lang="es-MX" dirty="0"/>
+              <a:t>Can I </a:t>
+            </a:r>
+            <a:r>
+              <a:rPr lang="es-MX" dirty="0" err="1"/>
+              <a:t>work</a:t>
+            </a:r>
+            <a:r>
+              <a:rPr lang="es-MX" dirty="0"/>
+              <a:t> </a:t>
+            </a:r>
+            <a:r>
+              <a:rPr lang="es-MX" dirty="0" err="1"/>
+              <a:t>across</a:t>
+            </a:r>
+            <a:r>
+              <a:rPr lang="es-MX" dirty="0"/>
+              <a:t> </a:t>
+            </a:r>
+            <a:r>
+              <a:rPr lang="es-MX" dirty="0" err="1"/>
+              <a:t>multiple</a:t>
+            </a:r>
+            <a:r>
+              <a:rPr lang="es-MX" dirty="0"/>
+              <a:t> folders? </a:t>
+            </a:r>
+          </a:p>
+          <a:p>
+            <a:pPr lvl="1"/>
+            <a:r>
+              <a:rPr lang="es-MX" dirty="0" err="1"/>
+              <a:t>Absolutely</a:t>
+            </a:r>
+            <a:r>
+              <a:rPr lang="es-MX" dirty="0"/>
+              <a:t> yes </a:t>
+            </a:r>
+            <a:r>
+              <a:rPr lang="es-MX" dirty="0" err="1"/>
+              <a:t>but</a:t>
+            </a:r>
+            <a:r>
+              <a:rPr lang="es-MX" dirty="0"/>
+              <a:t> </a:t>
+            </a:r>
+            <a:r>
+              <a:rPr lang="es-MX" dirty="0" err="1"/>
+              <a:t>it</a:t>
+            </a:r>
+            <a:r>
+              <a:rPr lang="es-MX" dirty="0"/>
+              <a:t> </a:t>
+            </a:r>
+            <a:r>
+              <a:rPr lang="es-MX" dirty="0" err="1"/>
+              <a:t>requires</a:t>
+            </a:r>
+            <a:r>
+              <a:rPr lang="es-MX" dirty="0"/>
+              <a:t> </a:t>
+            </a:r>
+            <a:r>
+              <a:rPr lang="es-MX" dirty="0" err="1"/>
+              <a:t>setting</a:t>
+            </a:r>
+            <a:r>
+              <a:rPr lang="es-MX" dirty="0"/>
+              <a:t> </a:t>
+            </a:r>
+            <a:r>
+              <a:rPr lang="es-MX" dirty="0" err="1"/>
+              <a:t>the</a:t>
+            </a:r>
+            <a:r>
+              <a:rPr lang="es-MX" dirty="0"/>
+              <a:t> </a:t>
+            </a:r>
+            <a:r>
+              <a:rPr lang="es-MX" dirty="0" err="1"/>
+              <a:t>working</a:t>
+            </a:r>
+            <a:r>
+              <a:rPr lang="es-MX" dirty="0"/>
+              <a:t> </a:t>
+            </a:r>
+            <a:r>
+              <a:rPr lang="es-MX" dirty="0" err="1"/>
+              <a:t>paths</a:t>
+            </a:r>
+            <a:r>
+              <a:rPr lang="es-MX" dirty="0"/>
+              <a:t>. </a:t>
+            </a:r>
+            <a:endParaRPr lang="en-US" dirty="0"/>
+          </a:p>
+        </p:txBody>
+      </p:sp>
+    </p:spTree>
+    <p:extLst>
+      <p:ext uri="{BB962C8B-B14F-4D97-AF65-F5344CB8AC3E}">
+        <p14:creationId xmlns:p14="http://schemas.microsoft.com/office/powerpoint/2010/main" val="3481676516"/>
+      </p:ext>
+    </p:extLst>
+  </p:cSld>
+  <p:clrMapOvr>
+    <a:masterClrMapping/>
+  </p:clrMapOvr>
+</p:sld>
+</file>
+
+<file path=ppt/slides/slide5.xml><?xml version="1.0" encoding="utf-8"?>
+<p:sld xmlns:a="http://schemas.openxmlformats.org/drawingml/2006/main" xmlns:r="http://schemas.openxmlformats.org/officeDocument/2006/relationships" xmlns:p="http://schemas.openxmlformats.org/presentationml/2006/main">
+  <p:cSld>
+    <p:spTree>
+      <p:nvGrpSpPr>
+        <p:cNvPr id="1" name=""/>
+        <p:cNvGrpSpPr/>
+        <p:nvPr/>
+      </p:nvGrpSpPr>
+      <p:grpSpPr>
+        <a:xfrm>
+          <a:off x="0" y="0"/>
+          <a:ext cx="0" cy="0"/>
+          <a:chOff x="0" y="0"/>
+          <a:chExt cx="0" cy="0"/>
+        </a:xfrm>
+      </p:grpSpPr>
+      <p:sp>
+        <p:nvSpPr>
+          <p:cNvPr id="2" name="Title 1">
+            <a:extLst>
+              <a:ext uri="{FF2B5EF4-FFF2-40B4-BE49-F238E27FC236}">
                 <a16:creationId xmlns:a16="http://schemas.microsoft.com/office/drawing/2014/main" id="{73776780-580B-ADA6-85E1-F1767C5D0239}"/>
               </a:ext>
             </a:extLst>
@@ -6682,7 +7717,7 @@
 </p:sld>
 </file>
 
-<file path=ppt/slides/slide5.xml><?xml version="1.0" encoding="utf-8"?>
+<file path=ppt/slides/slide6.xml><?xml version="1.0" encoding="utf-8"?>
 <p:sld xmlns:a="http://schemas.openxmlformats.org/drawingml/2006/main" xmlns:r="http://schemas.openxmlformats.org/officeDocument/2006/relationships" xmlns:p="http://schemas.openxmlformats.org/presentationml/2006/main">
   <p:cSld>
     <p:spTree>
@@ -6770,7 +7805,7 @@
 </p:sld>
 </file>
 
-<file path=ppt/slides/slide6.xml><?xml version="1.0" encoding="utf-8"?>
+<file path=ppt/slides/slide7.xml><?xml version="1.0" encoding="utf-8"?>
 <p:sld xmlns:a="http://schemas.openxmlformats.org/drawingml/2006/main" xmlns:r="http://schemas.openxmlformats.org/officeDocument/2006/relationships" xmlns:p="http://schemas.openxmlformats.org/presentationml/2006/main">
   <p:cSld>
     <p:spTree>
@@ -7751,483 +8786,6 @@
                                         </p:tgtEl>
                                       </p:cBhvr>
                                     </p:animEffect>
-                                  </p:childTnLst>
-                                </p:cTn>
-                              </p:par>
-                            </p:childTnLst>
-                          </p:cTn>
-                        </p:par>
-                      </p:childTnLst>
-                    </p:cTn>
-                  </p:par>
-                </p:childTnLst>
-              </p:cTn>
-              <p:prevCondLst>
-                <p:cond evt="onPrev" delay="0">
-                  <p:tgtEl>
-                    <p:sldTgt/>
-                  </p:tgtEl>
-                </p:cond>
-              </p:prevCondLst>
-              <p:nextCondLst>
-                <p:cond evt="onNext" delay="0">
-                  <p:tgtEl>
-                    <p:sldTgt/>
-                  </p:tgtEl>
-                </p:cond>
-              </p:nextCondLst>
-            </p:seq>
-          </p:childTnLst>
-        </p:cTn>
-      </p:par>
-    </p:tnLst>
-  </p:timing>
-</p:sld>
-</file>
-
-<file path=ppt/slides/slide7.xml><?xml version="1.0" encoding="utf-8"?>
-<p:sld xmlns:a="http://schemas.openxmlformats.org/drawingml/2006/main" xmlns:r="http://schemas.openxmlformats.org/officeDocument/2006/relationships" xmlns:p="http://schemas.openxmlformats.org/presentationml/2006/main">
-  <p:cSld>
-    <p:spTree>
-      <p:nvGrpSpPr>
-        <p:cNvPr id="1" name=""/>
-        <p:cNvGrpSpPr/>
-        <p:nvPr/>
-      </p:nvGrpSpPr>
-      <p:grpSpPr>
-        <a:xfrm>
-          <a:off x="0" y="0"/>
-          <a:ext cx="0" cy="0"/>
-          <a:chOff x="0" y="0"/>
-          <a:chExt cx="0" cy="0"/>
-        </a:xfrm>
-      </p:grpSpPr>
-      <p:sp>
-        <p:nvSpPr>
-          <p:cNvPr id="2" name="Title 1">
-            <a:extLst>
-              <a:ext uri="{FF2B5EF4-FFF2-40B4-BE49-F238E27FC236}">
-                <a16:creationId xmlns:a16="http://schemas.microsoft.com/office/drawing/2014/main" id="{2192BC9C-D516-BD57-210F-08D898C03A83}"/>
-              </a:ext>
-            </a:extLst>
-          </p:cNvPr>
-          <p:cNvSpPr>
-            <a:spLocks noGrp="1"/>
-          </p:cNvSpPr>
-          <p:nvPr>
-            <p:ph type="title"/>
-          </p:nvPr>
-        </p:nvSpPr>
-        <p:spPr/>
-        <p:txBody>
-          <a:bodyPr/>
-          <a:lstStyle/>
-          <a:p>
-            <a:r>
-              <a:rPr lang="en-US" dirty="0"/>
-              <a:t>Inspect your data</a:t>
-            </a:r>
-          </a:p>
-        </p:txBody>
-      </p:sp>
-      <p:sp>
-        <p:nvSpPr>
-          <p:cNvPr id="3" name="Content Placeholder 2">
-            <a:extLst>
-              <a:ext uri="{FF2B5EF4-FFF2-40B4-BE49-F238E27FC236}">
-                <a16:creationId xmlns:a16="http://schemas.microsoft.com/office/drawing/2014/main" id="{2D9F9CB4-B1FB-2D6D-9E75-F51DF0E30209}"/>
-              </a:ext>
-            </a:extLst>
-          </p:cNvPr>
-          <p:cNvSpPr>
-            <a:spLocks noGrp="1"/>
-          </p:cNvSpPr>
-          <p:nvPr>
-            <p:ph idx="1"/>
-          </p:nvPr>
-        </p:nvSpPr>
-        <p:spPr/>
-        <p:txBody>
-          <a:bodyPr/>
-          <a:lstStyle/>
-          <a:p>
-            <a:r>
-              <a:rPr lang="en-US" dirty="0"/>
-              <a:t>Let's say my dataset is </a:t>
-            </a:r>
-            <a:r>
-              <a:rPr lang="en-US" b="1" dirty="0" err="1"/>
-              <a:t>Dxl</a:t>
-            </a:r>
-            <a:r>
-              <a:rPr lang="en-US" dirty="0"/>
-              <a:t>. (Remember the name of the object)</a:t>
-            </a:r>
-          </a:p>
-          <a:p>
-            <a:endParaRPr lang="en-US" dirty="0"/>
-          </a:p>
-          <a:p>
-            <a:r>
-              <a:rPr lang="en-US" dirty="0"/>
-              <a:t>To check the names:</a:t>
-            </a:r>
-          </a:p>
-          <a:p>
-            <a:pPr lvl="1"/>
-            <a:r>
-              <a:rPr lang="en-US" dirty="0"/>
-              <a:t>names(</a:t>
-            </a:r>
-            <a:r>
-              <a:rPr lang="en-US" dirty="0" err="1"/>
-              <a:t>Dxl</a:t>
-            </a:r>
-            <a:r>
-              <a:rPr lang="en-US" dirty="0"/>
-              <a:t>)</a:t>
-            </a:r>
-          </a:p>
-          <a:p>
-            <a:pPr marL="457200" lvl="1" indent="0">
-              <a:buNone/>
-            </a:pPr>
-            <a:endParaRPr lang="en-US" dirty="0"/>
-          </a:p>
-          <a:p>
-            <a:r>
-              <a:rPr lang="en-US" dirty="0"/>
-              <a:t>To check the type of variables:</a:t>
-            </a:r>
-          </a:p>
-          <a:p>
-            <a:pPr lvl="1"/>
-            <a:r>
-              <a:rPr lang="en-US" dirty="0"/>
-              <a:t>str(</a:t>
-            </a:r>
-            <a:r>
-              <a:rPr lang="en-US" dirty="0" err="1"/>
-              <a:t>Dxl</a:t>
-            </a:r>
-            <a:r>
-              <a:rPr lang="en-US" dirty="0"/>
-              <a:t>)</a:t>
-            </a:r>
-          </a:p>
-          <a:p>
-            <a:pPr lvl="1"/>
-            <a:endParaRPr lang="en-US" dirty="0"/>
-          </a:p>
-          <a:p>
-            <a:pPr marL="0" indent="0">
-              <a:buNone/>
-            </a:pPr>
-            <a:endParaRPr lang="en-US" dirty="0"/>
-          </a:p>
-        </p:txBody>
-      </p:sp>
-    </p:spTree>
-    <p:extLst>
-      <p:ext uri="{BB962C8B-B14F-4D97-AF65-F5344CB8AC3E}">
-        <p14:creationId xmlns:p14="http://schemas.microsoft.com/office/powerpoint/2010/main" val="3951874118"/>
-      </p:ext>
-    </p:extLst>
-  </p:cSld>
-  <p:clrMapOvr>
-    <a:masterClrMapping/>
-  </p:clrMapOvr>
-  <p:timing>
-    <p:tnLst>
-      <p:par>
-        <p:cTn id="1" dur="indefinite" restart="never" nodeType="tmRoot">
-          <p:childTnLst>
-            <p:seq concurrent="1" nextAc="seek">
-              <p:cTn id="2" dur="indefinite" nodeType="mainSeq">
-                <p:childTnLst>
-                  <p:par>
-                    <p:cTn id="3" fill="hold">
-                      <p:stCondLst>
-                        <p:cond delay="indefinite"/>
-                      </p:stCondLst>
-                      <p:childTnLst>
-                        <p:par>
-                          <p:cTn id="4" fill="hold">
-                            <p:stCondLst>
-                              <p:cond delay="0"/>
-                            </p:stCondLst>
-                            <p:childTnLst>
-                              <p:par>
-                                <p:cTn id="5" presetID="10" presetClass="entr" presetSubtype="0" fill="hold" nodeType="clickEffect">
-                                  <p:stCondLst>
-                                    <p:cond delay="0"/>
-                                  </p:stCondLst>
-                                  <p:childTnLst>
-                                    <p:set>
-                                      <p:cBhvr>
-                                        <p:cTn id="6" dur="1" fill="hold">
-                                          <p:stCondLst>
-                                            <p:cond delay="0"/>
-                                          </p:stCondLst>
-                                        </p:cTn>
-                                        <p:tgtEl>
-                                          <p:spTgt spid="3">
-                                            <p:txEl>
-                                              <p:pRg st="2" end="2"/>
-                                            </p:txEl>
-                                          </p:spTgt>
-                                        </p:tgtEl>
-                                        <p:attrNameLst>
-                                          <p:attrName>style.visibility</p:attrName>
-                                        </p:attrNameLst>
-                                      </p:cBhvr>
-                                      <p:to>
-                                        <p:strVal val="visible"/>
-                                      </p:to>
-                                    </p:set>
-                                    <p:animEffect transition="in" filter="fade">
-                                      <p:cBhvr>
-                                        <p:cTn id="7" dur="500"/>
-                                        <p:tgtEl>
-                                          <p:spTgt spid="3">
-                                            <p:txEl>
-                                              <p:pRg st="2" end="2"/>
-                                            </p:txEl>
-                                          </p:spTgt>
-                                        </p:tgtEl>
-                                      </p:cBhvr>
-                                    </p:animEffect>
-                                  </p:childTnLst>
-                                </p:cTn>
-                              </p:par>
-                              <p:par>
-                                <p:cTn id="8" presetID="10" presetClass="entr" presetSubtype="0" fill="hold" nodeType="withEffect">
-                                  <p:stCondLst>
-                                    <p:cond delay="0"/>
-                                  </p:stCondLst>
-                                  <p:childTnLst>
-                                    <p:set>
-                                      <p:cBhvr>
-                                        <p:cTn id="9" dur="1" fill="hold">
-                                          <p:stCondLst>
-                                            <p:cond delay="0"/>
-                                          </p:stCondLst>
-                                        </p:cTn>
-                                        <p:tgtEl>
-                                          <p:spTgt spid="3">
-                                            <p:txEl>
-                                              <p:pRg st="3" end="3"/>
-                                            </p:txEl>
-                                          </p:spTgt>
-                                        </p:tgtEl>
-                                        <p:attrNameLst>
-                                          <p:attrName>style.visibility</p:attrName>
-                                        </p:attrNameLst>
-                                      </p:cBhvr>
-                                      <p:to>
-                                        <p:strVal val="visible"/>
-                                      </p:to>
-                                    </p:set>
-                                    <p:animEffect transition="in" filter="fade">
-                                      <p:cBhvr>
-                                        <p:cTn id="10" dur="500"/>
-                                        <p:tgtEl>
-                                          <p:spTgt spid="3">
-                                            <p:txEl>
-                                              <p:pRg st="3" end="3"/>
-                                            </p:txEl>
-                                          </p:spTgt>
-                                        </p:tgtEl>
-                                      </p:cBhvr>
-                                    </p:animEffect>
-                                  </p:childTnLst>
-                                </p:cTn>
-                              </p:par>
-                            </p:childTnLst>
-                          </p:cTn>
-                        </p:par>
-                      </p:childTnLst>
-                    </p:cTn>
-                  </p:par>
-                  <p:par>
-                    <p:cTn id="11" fill="hold">
-                      <p:stCondLst>
-                        <p:cond delay="indefinite"/>
-                      </p:stCondLst>
-                      <p:childTnLst>
-                        <p:par>
-                          <p:cTn id="12" fill="hold">
-                            <p:stCondLst>
-                              <p:cond delay="0"/>
-                            </p:stCondLst>
-                            <p:childTnLst>
-                              <p:par>
-                                <p:cTn id="13" presetID="2" presetClass="entr" presetSubtype="4" fill="hold" nodeType="clickEffect">
-                                  <p:stCondLst>
-                                    <p:cond delay="0"/>
-                                  </p:stCondLst>
-                                  <p:childTnLst>
-                                    <p:set>
-                                      <p:cBhvr>
-                                        <p:cTn id="14" dur="1" fill="hold">
-                                          <p:stCondLst>
-                                            <p:cond delay="0"/>
-                                          </p:stCondLst>
-                                        </p:cTn>
-                                        <p:tgtEl>
-                                          <p:spTgt spid="3">
-                                            <p:txEl>
-                                              <p:pRg st="5" end="5"/>
-                                            </p:txEl>
-                                          </p:spTgt>
-                                        </p:tgtEl>
-                                        <p:attrNameLst>
-                                          <p:attrName>style.visibility</p:attrName>
-                                        </p:attrNameLst>
-                                      </p:cBhvr>
-                                      <p:to>
-                                        <p:strVal val="visible"/>
-                                      </p:to>
-                                    </p:set>
-                                    <p:anim calcmode="lin" valueType="num">
-                                      <p:cBhvr additive="base">
-                                        <p:cTn id="15" dur="500" fill="hold"/>
-                                        <p:tgtEl>
-                                          <p:spTgt spid="3">
-                                            <p:txEl>
-                                              <p:pRg st="5" end="5"/>
-                                            </p:txEl>
-                                          </p:spTgt>
-                                        </p:tgtEl>
-                                        <p:attrNameLst>
-                                          <p:attrName>ppt_x</p:attrName>
-                                        </p:attrNameLst>
-                                      </p:cBhvr>
-                                      <p:tavLst>
-                                        <p:tav tm="0">
-                                          <p:val>
-                                            <p:strVal val="#ppt_x"/>
-                                          </p:val>
-                                        </p:tav>
-                                        <p:tav tm="100000">
-                                          <p:val>
-                                            <p:strVal val="#ppt_x"/>
-                                          </p:val>
-                                        </p:tav>
-                                      </p:tavLst>
-                                    </p:anim>
-                                    <p:anim calcmode="lin" valueType="num">
-                                      <p:cBhvr additive="base">
-                                        <p:cTn id="16" dur="500" fill="hold"/>
-                                        <p:tgtEl>
-                                          <p:spTgt spid="3">
-                                            <p:txEl>
-                                              <p:pRg st="5" end="5"/>
-                                            </p:txEl>
-                                          </p:spTgt>
-                                        </p:tgtEl>
-                                        <p:attrNameLst>
-                                          <p:attrName>ppt_y</p:attrName>
-                                        </p:attrNameLst>
-                                      </p:cBhvr>
-                                      <p:tavLst>
-                                        <p:tav tm="0">
-                                          <p:val>
-                                            <p:strVal val="1+#ppt_h/2"/>
-                                          </p:val>
-                                        </p:tav>
-                                        <p:tav tm="100000">
-                                          <p:val>
-                                            <p:strVal val="#ppt_y"/>
-                                          </p:val>
-                                        </p:tav>
-                                      </p:tavLst>
-                                    </p:anim>
-                                  </p:childTnLst>
-                                </p:cTn>
-                              </p:par>
-                              <p:par>
-                                <p:cTn id="17" presetID="2" presetClass="entr" presetSubtype="4" fill="hold" nodeType="withEffect">
-                                  <p:stCondLst>
-                                    <p:cond delay="0"/>
-                                  </p:stCondLst>
-                                  <p:childTnLst>
-                                    <p:set>
-                                      <p:cBhvr>
-                                        <p:cTn id="18" dur="1" fill="hold">
-                                          <p:stCondLst>
-                                            <p:cond delay="0"/>
-                                          </p:stCondLst>
-                                        </p:cTn>
-                                        <p:tgtEl>
-                                          <p:spTgt spid="3">
-                                            <p:txEl>
-                                              <p:pRg st="6" end="6"/>
-                                            </p:txEl>
-                                          </p:spTgt>
-                                        </p:tgtEl>
-                                        <p:attrNameLst>
-                                          <p:attrName>style.visibility</p:attrName>
-                                        </p:attrNameLst>
-                                      </p:cBhvr>
-                                      <p:to>
-                                        <p:strVal val="visible"/>
-                                      </p:to>
-                                    </p:set>
-                                    <p:anim calcmode="lin" valueType="num">
-                                      <p:cBhvr additive="base">
-                                        <p:cTn id="19" dur="500" fill="hold"/>
-                                        <p:tgtEl>
-                                          <p:spTgt spid="3">
-                                            <p:txEl>
-                                              <p:pRg st="6" end="6"/>
-                                            </p:txEl>
-                                          </p:spTgt>
-                                        </p:tgtEl>
-                                        <p:attrNameLst>
-                                          <p:attrName>ppt_x</p:attrName>
-                                        </p:attrNameLst>
-                                      </p:cBhvr>
-                                      <p:tavLst>
-                                        <p:tav tm="0">
-                                          <p:val>
-                                            <p:strVal val="#ppt_x"/>
-                                          </p:val>
-                                        </p:tav>
-                                        <p:tav tm="100000">
-                                          <p:val>
-                                            <p:strVal val="#ppt_x"/>
-                                          </p:val>
-                                        </p:tav>
-                                      </p:tavLst>
-                                    </p:anim>
-                                    <p:anim calcmode="lin" valueType="num">
-                                      <p:cBhvr additive="base">
-                                        <p:cTn id="20" dur="500" fill="hold"/>
-                                        <p:tgtEl>
-                                          <p:spTgt spid="3">
-                                            <p:txEl>
-                                              <p:pRg st="6" end="6"/>
-                                            </p:txEl>
-                                          </p:spTgt>
-                                        </p:tgtEl>
-                                        <p:attrNameLst>
-                                          <p:attrName>ppt_y</p:attrName>
-                                        </p:attrNameLst>
-                                      </p:cBhvr>
-                                      <p:tavLst>
-                                        <p:tav tm="0">
-                                          <p:val>
-                                            <p:strVal val="1+#ppt_h/2"/>
-                                          </p:val>
-                                        </p:tav>
-                                        <p:tav tm="100000">
-                                          <p:val>
-                                            <p:strVal val="#ppt_y"/>
-                                          </p:val>
-                                        </p:tav>
-                                      </p:tavLst>
-                                    </p:anim>
                                   </p:childTnLst>
                                 </p:cTn>
                               </p:par>
@@ -8284,7 +8842,7 @@
           <p:cNvPr id="2" name="Title 1">
             <a:extLst>
               <a:ext uri="{FF2B5EF4-FFF2-40B4-BE49-F238E27FC236}">
-                <a16:creationId xmlns:a16="http://schemas.microsoft.com/office/drawing/2014/main" id="{EC962AA7-306D-EA8A-B345-503975AA33FE}"/>
+                <a16:creationId xmlns:a16="http://schemas.microsoft.com/office/drawing/2014/main" id="{2192BC9C-D516-BD57-210F-08D898C03A83}"/>
               </a:ext>
             </a:extLst>
           </p:cNvPr>
@@ -8302,7 +8860,7 @@
           <a:p>
             <a:r>
               <a:rPr lang="en-US" dirty="0"/>
-              <a:t>Explore your data</a:t>
+              <a:t>Inspect your data</a:t>
             </a:r>
           </a:p>
         </p:txBody>
@@ -8312,7 +8870,7 @@
           <p:cNvPr id="3" name="Content Placeholder 2">
             <a:extLst>
               <a:ext uri="{FF2B5EF4-FFF2-40B4-BE49-F238E27FC236}">
-                <a16:creationId xmlns:a16="http://schemas.microsoft.com/office/drawing/2014/main" id="{84B2F67E-7E9A-A5FD-21A9-3CD5E006A493}"/>
+                <a16:creationId xmlns:a16="http://schemas.microsoft.com/office/drawing/2014/main" id="{2D9F9CB4-B1FB-2D6D-9E75-F51DF0E30209}"/>
               </a:ext>
             </a:extLst>
           </p:cNvPr>
@@ -8330,22 +8888,66 @@
           <a:p>
             <a:r>
               <a:rPr lang="en-US" dirty="0"/>
-              <a:t>Continuous variables: take a summary and/plot</a:t>
-            </a:r>
-          </a:p>
-          <a:p>
-            <a:pPr marL="0" indent="0">
+              <a:t>Let's say my dataset is </a:t>
+            </a:r>
+            <a:r>
+              <a:rPr lang="en-US" b="1" dirty="0" err="1"/>
+              <a:t>Dxl</a:t>
+            </a:r>
+            <a:r>
+              <a:rPr lang="en-US" dirty="0"/>
+              <a:t>. (Remember the name of the object)</a:t>
+            </a:r>
+          </a:p>
+          <a:p>
+            <a:endParaRPr lang="en-US" dirty="0"/>
+          </a:p>
+          <a:p>
+            <a:r>
+              <a:rPr lang="en-US" dirty="0"/>
+              <a:t>To check the names:</a:t>
+            </a:r>
+          </a:p>
+          <a:p>
+            <a:pPr lvl="1"/>
+            <a:r>
+              <a:rPr lang="en-US" dirty="0"/>
+              <a:t>names(</a:t>
+            </a:r>
+            <a:r>
+              <a:rPr lang="en-US" dirty="0" err="1"/>
+              <a:t>Dxl</a:t>
+            </a:r>
+            <a:r>
+              <a:rPr lang="en-US" dirty="0"/>
+              <a:t>)</a:t>
+            </a:r>
+          </a:p>
+          <a:p>
+            <a:pPr marL="457200" lvl="1" indent="0">
               <a:buNone/>
             </a:pPr>
             <a:endParaRPr lang="en-US" dirty="0"/>
           </a:p>
           <a:p>
-            <a:pPr marL="457200" lvl="1" indent="0">
-              <a:buNone/>
-            </a:pPr>
             <a:r>
               <a:rPr lang="en-US" dirty="0"/>
-              <a:t>summary(Dxl$v1)</a:t>
+              <a:t>To check the type of variables:</a:t>
+            </a:r>
+          </a:p>
+          <a:p>
+            <a:pPr lvl="1"/>
+            <a:r>
+              <a:rPr lang="en-US" dirty="0"/>
+              <a:t>str(</a:t>
+            </a:r>
+            <a:r>
+              <a:rPr lang="en-US" dirty="0" err="1"/>
+              <a:t>Dxl</a:t>
+            </a:r>
+            <a:r>
+              <a:rPr lang="en-US" dirty="0"/>
+              <a:t>)</a:t>
             </a:r>
           </a:p>
           <a:p>
@@ -8353,32 +8955,17 @@
             <a:endParaRPr lang="en-US" dirty="0"/>
           </a:p>
           <a:p>
-            <a:r>
-              <a:rPr lang="en-US" dirty="0"/>
-              <a:t>Categorical/factor/string: tabulate and/plot</a:t>
-            </a:r>
-          </a:p>
-          <a:p>
             <a:pPr marL="0" indent="0">
               <a:buNone/>
             </a:pPr>
             <a:endParaRPr lang="en-US" dirty="0"/>
-          </a:p>
-          <a:p>
-            <a:pPr marL="457200" lvl="1" indent="0">
-              <a:buNone/>
-            </a:pPr>
-            <a:r>
-              <a:rPr lang="en-US" dirty="0"/>
-              <a:t>table(Dxl$c1)</a:t>
-            </a:r>
           </a:p>
         </p:txBody>
       </p:sp>
     </p:spTree>
     <p:extLst>
       <p:ext uri="{BB962C8B-B14F-4D97-AF65-F5344CB8AC3E}">
-        <p14:creationId xmlns:p14="http://schemas.microsoft.com/office/powerpoint/2010/main" val="4201873609"/>
+        <p14:creationId xmlns:p14="http://schemas.microsoft.com/office/powerpoint/2010/main" val="3951874118"/>
       </p:ext>
     </p:extLst>
   </p:cSld>
@@ -8421,7 +9008,7 @@
                                         <p:tgtEl>
                                           <p:spTgt spid="3">
                                             <p:txEl>
-                                              <p:pRg st="0" end="0"/>
+                                              <p:pRg st="2" end="2"/>
                                             </p:txEl>
                                           </p:spTgt>
                                         </p:tgtEl>
@@ -8439,7 +9026,7 @@
                                         <p:tgtEl>
                                           <p:spTgt spid="3">
                                             <p:txEl>
-                                              <p:pRg st="0" end="0"/>
+                                              <p:pRg st="2" end="2"/>
                                             </p:txEl>
                                           </p:spTgt>
                                         </p:tgtEl>
@@ -8464,7 +9051,7 @@
                                         <p:tgtEl>
                                           <p:spTgt spid="3">
                                             <p:txEl>
-                                              <p:pRg st="2" end="2"/>
+                                              <p:pRg st="3" end="3"/>
                                             </p:txEl>
                                           </p:spTgt>
                                         </p:tgtEl>
@@ -8482,7 +9069,7 @@
                                         <p:tgtEl>
                                           <p:spTgt spid="3">
                                             <p:txEl>
-                                              <p:pRg st="2" end="2"/>
+                                              <p:pRg st="3" end="3"/>
                                             </p:txEl>
                                           </p:spTgt>
                                         </p:tgtEl>
@@ -8510,7 +9097,7 @@
                             </p:stCondLst>
                             <p:childTnLst>
                               <p:par>
-                                <p:cTn id="13" presetID="10" presetClass="entr" presetSubtype="0" fill="hold" nodeType="clickEffect">
+                                <p:cTn id="13" presetID="2" presetClass="entr" presetSubtype="4" fill="hold" nodeType="clickEffect">
                                   <p:stCondLst>
                                     <p:cond delay="0"/>
                                   </p:stCondLst>
@@ -8525,7 +9112,7 @@
                                         <p:tgtEl>
                                           <p:spTgt spid="3">
                                             <p:txEl>
-                                              <p:pRg st="4" end="4"/>
+                                              <p:pRg st="5" end="5"/>
                                             </p:txEl>
                                           </p:spTgt>
                                         </p:tgtEl>
@@ -8537,30 +9124,72 @@
                                         <p:strVal val="visible"/>
                                       </p:to>
                                     </p:set>
-                                    <p:animEffect transition="in" filter="fade">
-                                      <p:cBhvr>
-                                        <p:cTn id="15" dur="500"/>
+                                    <p:anim calcmode="lin" valueType="num">
+                                      <p:cBhvr additive="base">
+                                        <p:cTn id="15" dur="500" fill="hold"/>
                                         <p:tgtEl>
                                           <p:spTgt spid="3">
                                             <p:txEl>
-                                              <p:pRg st="4" end="4"/>
+                                              <p:pRg st="5" end="5"/>
                                             </p:txEl>
                                           </p:spTgt>
                                         </p:tgtEl>
-                                      </p:cBhvr>
-                                    </p:animEffect>
+                                        <p:attrNameLst>
+                                          <p:attrName>ppt_x</p:attrName>
+                                        </p:attrNameLst>
+                                      </p:cBhvr>
+                                      <p:tavLst>
+                                        <p:tav tm="0">
+                                          <p:val>
+                                            <p:strVal val="#ppt_x"/>
+                                          </p:val>
+                                        </p:tav>
+                                        <p:tav tm="100000">
+                                          <p:val>
+                                            <p:strVal val="#ppt_x"/>
+                                          </p:val>
+                                        </p:tav>
+                                      </p:tavLst>
+                                    </p:anim>
+                                    <p:anim calcmode="lin" valueType="num">
+                                      <p:cBhvr additive="base">
+                                        <p:cTn id="16" dur="500" fill="hold"/>
+                                        <p:tgtEl>
+                                          <p:spTgt spid="3">
+                                            <p:txEl>
+                                              <p:pRg st="5" end="5"/>
+                                            </p:txEl>
+                                          </p:spTgt>
+                                        </p:tgtEl>
+                                        <p:attrNameLst>
+                                          <p:attrName>ppt_y</p:attrName>
+                                        </p:attrNameLst>
+                                      </p:cBhvr>
+                                      <p:tavLst>
+                                        <p:tav tm="0">
+                                          <p:val>
+                                            <p:strVal val="1+#ppt_h/2"/>
+                                          </p:val>
+                                        </p:tav>
+                                        <p:tav tm="100000">
+                                          <p:val>
+                                            <p:strVal val="#ppt_y"/>
+                                          </p:val>
+                                        </p:tav>
+                                      </p:tavLst>
+                                    </p:anim>
                                   </p:childTnLst>
                                 </p:cTn>
                               </p:par>
                               <p:par>
-                                <p:cTn id="16" presetID="10" presetClass="entr" presetSubtype="0" fill="hold" nodeType="withEffect">
+                                <p:cTn id="17" presetID="2" presetClass="entr" presetSubtype="4" fill="hold" nodeType="withEffect">
                                   <p:stCondLst>
                                     <p:cond delay="0"/>
                                   </p:stCondLst>
                                   <p:childTnLst>
                                     <p:set>
                                       <p:cBhvr>
-                                        <p:cTn id="17" dur="1" fill="hold">
+                                        <p:cTn id="18" dur="1" fill="hold">
                                           <p:stCondLst>
                                             <p:cond delay="0"/>
                                           </p:stCondLst>
@@ -8580,9 +9209,9 @@
                                         <p:strVal val="visible"/>
                                       </p:to>
                                     </p:set>
-                                    <p:animEffect transition="in" filter="fade">
-                                      <p:cBhvr>
-                                        <p:cTn id="18" dur="500"/>
+                                    <p:anim calcmode="lin" valueType="num">
+                                      <p:cBhvr additive="base">
+                                        <p:cTn id="19" dur="500" fill="hold"/>
                                         <p:tgtEl>
                                           <p:spTgt spid="3">
                                             <p:txEl>
@@ -8590,8 +9219,50 @@
                                             </p:txEl>
                                           </p:spTgt>
                                         </p:tgtEl>
-                                      </p:cBhvr>
-                                    </p:animEffect>
+                                        <p:attrNameLst>
+                                          <p:attrName>ppt_x</p:attrName>
+                                        </p:attrNameLst>
+                                      </p:cBhvr>
+                                      <p:tavLst>
+                                        <p:tav tm="0">
+                                          <p:val>
+                                            <p:strVal val="#ppt_x"/>
+                                          </p:val>
+                                        </p:tav>
+                                        <p:tav tm="100000">
+                                          <p:val>
+                                            <p:strVal val="#ppt_x"/>
+                                          </p:val>
+                                        </p:tav>
+                                      </p:tavLst>
+                                    </p:anim>
+                                    <p:anim calcmode="lin" valueType="num">
+                                      <p:cBhvr additive="base">
+                                        <p:cTn id="20" dur="500" fill="hold"/>
+                                        <p:tgtEl>
+                                          <p:spTgt spid="3">
+                                            <p:txEl>
+                                              <p:pRg st="6" end="6"/>
+                                            </p:txEl>
+                                          </p:spTgt>
+                                        </p:tgtEl>
+                                        <p:attrNameLst>
+                                          <p:attrName>ppt_y</p:attrName>
+                                        </p:attrNameLst>
+                                      </p:cBhvr>
+                                      <p:tavLst>
+                                        <p:tav tm="0">
+                                          <p:val>
+                                            <p:strVal val="1+#ppt_h/2"/>
+                                          </p:val>
+                                        </p:tav>
+                                        <p:tav tm="100000">
+                                          <p:val>
+                                            <p:strVal val="#ppt_y"/>
+                                          </p:val>
+                                        </p:tav>
+                                      </p:tavLst>
+                                    </p:anim>
                                   </p:childTnLst>
                                 </p:cTn>
                               </p:par>
@@ -8648,7 +9319,7 @@
           <p:cNvPr id="2" name="Title 1">
             <a:extLst>
               <a:ext uri="{FF2B5EF4-FFF2-40B4-BE49-F238E27FC236}">
-                <a16:creationId xmlns:a16="http://schemas.microsoft.com/office/drawing/2014/main" id="{78EBA078-9170-6899-27A9-6028C209516B}"/>
+                <a16:creationId xmlns:a16="http://schemas.microsoft.com/office/drawing/2014/main" id="{EC962AA7-306D-EA8A-B345-503975AA33FE}"/>
               </a:ext>
             </a:extLst>
           </p:cNvPr>
@@ -8666,7 +9337,7 @@
           <a:p>
             <a:r>
               <a:rPr lang="en-US" dirty="0"/>
-              <a:t>Explore your data: packages</a:t>
+              <a:t>Explore your data</a:t>
             </a:r>
           </a:p>
         </p:txBody>
@@ -8676,7 +9347,7 @@
           <p:cNvPr id="3" name="Content Placeholder 2">
             <a:extLst>
               <a:ext uri="{FF2B5EF4-FFF2-40B4-BE49-F238E27FC236}">
-                <a16:creationId xmlns:a16="http://schemas.microsoft.com/office/drawing/2014/main" id="{FF27E23B-7039-DD57-BD3A-1F57645D1CD1}"/>
+                <a16:creationId xmlns:a16="http://schemas.microsoft.com/office/drawing/2014/main" id="{84B2F67E-7E9A-A5FD-21A9-3CD5E006A493}"/>
               </a:ext>
             </a:extLst>
           </p:cNvPr>
@@ -8692,38 +9363,24 @@
           <a:bodyPr/>
           <a:lstStyle/>
           <a:p>
+            <a:r>
+              <a:rPr lang="en-US" dirty="0"/>
+              <a:t>Continuous variables: take a summary and/plot</a:t>
+            </a:r>
+          </a:p>
+          <a:p>
+            <a:pPr marL="0" indent="0">
+              <a:buNone/>
+            </a:pPr>
             <a:endParaRPr lang="en-US" dirty="0"/>
           </a:p>
           <a:p>
+            <a:pPr marL="457200" lvl="1" indent="0">
+              <a:buNone/>
+            </a:pPr>
             <a:r>
               <a:rPr lang="en-US" dirty="0"/>
-              <a:t>Step 1: What do you want to do?</a:t>
-            </a:r>
-          </a:p>
-          <a:p>
-            <a:endParaRPr lang="en-US" dirty="0"/>
-          </a:p>
-          <a:p>
-            <a:r>
-              <a:rPr lang="en-US" dirty="0"/>
-              <a:t>Step 2: Load your library</a:t>
-            </a:r>
-          </a:p>
-          <a:p>
-            <a:pPr marL="457200" lvl="1" indent="0">
-              <a:buNone/>
-            </a:pPr>
-            <a:r>
-              <a:rPr lang="en-US" dirty="0"/>
-              <a:t>library(</a:t>
-            </a:r>
-            <a:r>
-              <a:rPr lang="en-US" dirty="0" err="1"/>
-              <a:t>descr</a:t>
-            </a:r>
-            <a:r>
-              <a:rPr lang="en-US" dirty="0"/>
-              <a:t>)</a:t>
+              <a:t>summary(Dxl$v1)</a:t>
             </a:r>
           </a:p>
           <a:p>
@@ -8733,28 +9390,22 @@
           <a:p>
             <a:r>
               <a:rPr lang="en-US" dirty="0"/>
-              <a:t>Step 3: Use the appropriate function</a:t>
-            </a:r>
+              <a:t>Categorical/factor/string: tabulate and/plot</a:t>
+            </a:r>
+          </a:p>
+          <a:p>
+            <a:pPr marL="0" indent="0">
+              <a:buNone/>
+            </a:pPr>
+            <a:endParaRPr lang="en-US" dirty="0"/>
           </a:p>
           <a:p>
             <a:pPr marL="457200" lvl="1" indent="0">
               <a:buNone/>
             </a:pPr>
             <a:r>
-              <a:rPr lang="en-US" dirty="0" err="1"/>
-              <a:t>freq</a:t>
-            </a:r>
-            <a:r>
               <a:rPr lang="en-US" dirty="0"/>
-              <a:t>(</a:t>
-            </a:r>
-            <a:r>
-              <a:rPr lang="en-US" dirty="0" err="1"/>
-              <a:t>D$sex</a:t>
-            </a:r>
-            <a:r>
-              <a:rPr lang="en-US" dirty="0"/>
-              <a:t>)</a:t>
+              <a:t>table(Dxl$c1)</a:t>
             </a:r>
           </a:p>
         </p:txBody>
@@ -8762,7 +9413,7 @@
     </p:spTree>
     <p:extLst>
       <p:ext uri="{BB962C8B-B14F-4D97-AF65-F5344CB8AC3E}">
-        <p14:creationId xmlns:p14="http://schemas.microsoft.com/office/powerpoint/2010/main" val="518048059"/>
+        <p14:creationId xmlns:p14="http://schemas.microsoft.com/office/powerpoint/2010/main" val="4201873609"/>
       </p:ext>
     </p:extLst>
   </p:cSld>
@@ -8790,7 +9441,7 @@
                             </p:stCondLst>
                             <p:childTnLst>
                               <p:par>
-                                <p:cTn id="5" presetID="2" presetClass="entr" presetSubtype="4" fill="hold" nodeType="clickEffect">
+                                <p:cTn id="5" presetID="10" presetClass="entr" presetSubtype="0" fill="hold" nodeType="clickEffect">
                                   <p:stCondLst>
                                     <p:cond delay="0"/>
                                   </p:stCondLst>
@@ -8805,7 +9456,7 @@
                                         <p:tgtEl>
                                           <p:spTgt spid="3">
                                             <p:txEl>
-                                              <p:pRg st="1" end="1"/>
+                                              <p:pRg st="0" end="0"/>
                                             </p:txEl>
                                           </p:spTgt>
                                         </p:tgtEl>
@@ -8817,90 +9468,30 @@
                                         <p:strVal val="visible"/>
                                       </p:to>
                                     </p:set>
-                                    <p:anim calcmode="lin" valueType="num">
-                                      <p:cBhvr additive="base">
-                                        <p:cTn id="7" dur="500" fill="hold"/>
+                                    <p:animEffect transition="in" filter="fade">
+                                      <p:cBhvr>
+                                        <p:cTn id="7" dur="500"/>
                                         <p:tgtEl>
                                           <p:spTgt spid="3">
                                             <p:txEl>
-                                              <p:pRg st="1" end="1"/>
+                                              <p:pRg st="0" end="0"/>
                                             </p:txEl>
                                           </p:spTgt>
                                         </p:tgtEl>
-                                        <p:attrNameLst>
-                                          <p:attrName>ppt_x</p:attrName>
-                                        </p:attrNameLst>
-                                      </p:cBhvr>
-                                      <p:tavLst>
-                                        <p:tav tm="0">
-                                          <p:val>
-                                            <p:strVal val="#ppt_x"/>
-                                          </p:val>
-                                        </p:tav>
-                                        <p:tav tm="100000">
-                                          <p:val>
-                                            <p:strVal val="#ppt_x"/>
-                                          </p:val>
-                                        </p:tav>
-                                      </p:tavLst>
-                                    </p:anim>
-                                    <p:anim calcmode="lin" valueType="num">
-                                      <p:cBhvr additive="base">
-                                        <p:cTn id="8" dur="500" fill="hold"/>
-                                        <p:tgtEl>
-                                          <p:spTgt spid="3">
-                                            <p:txEl>
-                                              <p:pRg st="1" end="1"/>
-                                            </p:txEl>
-                                          </p:spTgt>
-                                        </p:tgtEl>
-                                        <p:attrNameLst>
-                                          <p:attrName>ppt_y</p:attrName>
-                                        </p:attrNameLst>
-                                      </p:cBhvr>
-                                      <p:tavLst>
-                                        <p:tav tm="0">
-                                          <p:val>
-                                            <p:strVal val="1+#ppt_h/2"/>
-                                          </p:val>
-                                        </p:tav>
-                                        <p:tav tm="100000">
-                                          <p:val>
-                                            <p:strVal val="#ppt_y"/>
-                                          </p:val>
-                                        </p:tav>
-                                      </p:tavLst>
-                                    </p:anim>
+                                      </p:cBhvr>
+                                    </p:animEffect>
                                   </p:childTnLst>
                                 </p:cTn>
                               </p:par>
-                            </p:childTnLst>
-                          </p:cTn>
-                        </p:par>
-                      </p:childTnLst>
-                    </p:cTn>
-                  </p:par>
-                  <p:par>
-                    <p:cTn id="9" fill="hold">
-                      <p:stCondLst>
-                        <p:cond delay="indefinite"/>
-                      </p:stCondLst>
-                      <p:childTnLst>
-                        <p:par>
-                          <p:cTn id="10" fill="hold">
-                            <p:stCondLst>
-                              <p:cond delay="0"/>
-                            </p:stCondLst>
-                            <p:childTnLst>
                               <p:par>
-                                <p:cTn id="11" presetID="10" presetClass="entr" presetSubtype="0" fill="hold" nodeType="clickEffect">
+                                <p:cTn id="8" presetID="10" presetClass="entr" presetSubtype="0" fill="hold" nodeType="withEffect">
                                   <p:stCondLst>
                                     <p:cond delay="0"/>
                                   </p:stCondLst>
                                   <p:childTnLst>
                                     <p:set>
                                       <p:cBhvr>
-                                        <p:cTn id="12" dur="1" fill="hold">
+                                        <p:cTn id="9" dur="1" fill="hold">
                                           <p:stCondLst>
                                             <p:cond delay="0"/>
                                           </p:stCondLst>
@@ -8908,7 +9499,7 @@
                                         <p:tgtEl>
                                           <p:spTgt spid="3">
                                             <p:txEl>
-                                              <p:pRg st="3" end="3"/>
+                                              <p:pRg st="2" end="2"/>
                                             </p:txEl>
                                           </p:spTgt>
                                         </p:tgtEl>
@@ -8922,11 +9513,11 @@
                                     </p:set>
                                     <p:animEffect transition="in" filter="fade">
                                       <p:cBhvr>
-                                        <p:cTn id="13" dur="500"/>
+                                        <p:cTn id="10" dur="500"/>
                                         <p:tgtEl>
                                           <p:spTgt spid="3">
                                             <p:txEl>
-                                              <p:pRg st="3" end="3"/>
+                                              <p:pRg st="2" end="2"/>
                                             </p:txEl>
                                           </p:spTgt>
                                         </p:tgtEl>
@@ -8942,19 +9533,62 @@
                     </p:cTn>
                   </p:par>
                   <p:par>
-                    <p:cTn id="14" fill="hold">
+                    <p:cTn id="11" fill="hold">
                       <p:stCondLst>
                         <p:cond delay="indefinite"/>
                       </p:stCondLst>
                       <p:childTnLst>
                         <p:par>
-                          <p:cTn id="15" fill="hold">
+                          <p:cTn id="12" fill="hold">
                             <p:stCondLst>
                               <p:cond delay="0"/>
                             </p:stCondLst>
                             <p:childTnLst>
                               <p:par>
-                                <p:cTn id="16" presetID="10" presetClass="entr" presetSubtype="0" fill="hold" nodeType="clickEffect">
+                                <p:cTn id="13" presetID="10" presetClass="entr" presetSubtype="0" fill="hold" nodeType="clickEffect">
+                                  <p:stCondLst>
+                                    <p:cond delay="0"/>
+                                  </p:stCondLst>
+                                  <p:childTnLst>
+                                    <p:set>
+                                      <p:cBhvr>
+                                        <p:cTn id="14" dur="1" fill="hold">
+                                          <p:stCondLst>
+                                            <p:cond delay="0"/>
+                                          </p:stCondLst>
+                                        </p:cTn>
+                                        <p:tgtEl>
+                                          <p:spTgt spid="3">
+                                            <p:txEl>
+                                              <p:pRg st="4" end="4"/>
+                                            </p:txEl>
+                                          </p:spTgt>
+                                        </p:tgtEl>
+                                        <p:attrNameLst>
+                                          <p:attrName>style.visibility</p:attrName>
+                                        </p:attrNameLst>
+                                      </p:cBhvr>
+                                      <p:to>
+                                        <p:strVal val="visible"/>
+                                      </p:to>
+                                    </p:set>
+                                    <p:animEffect transition="in" filter="fade">
+                                      <p:cBhvr>
+                                        <p:cTn id="15" dur="500"/>
+                                        <p:tgtEl>
+                                          <p:spTgt spid="3">
+                                            <p:txEl>
+                                              <p:pRg st="4" end="4"/>
+                                            </p:txEl>
+                                          </p:spTgt>
+                                        </p:tgtEl>
+                                      </p:cBhvr>
+                                    </p:animEffect>
+                                  </p:childTnLst>
+                                </p:cTn>
+                              </p:par>
+                              <p:par>
+                                <p:cTn id="16" presetID="10" presetClass="entr" presetSubtype="0" fill="hold" nodeType="withEffect">
                                   <p:stCondLst>
                                     <p:cond delay="0"/>
                                   </p:stCondLst>
@@ -8969,7 +9603,7 @@
                                         <p:tgtEl>
                                           <p:spTgt spid="3">
                                             <p:txEl>
-                                              <p:pRg st="4" end="4"/>
+                                              <p:pRg st="6" end="6"/>
                                             </p:txEl>
                                           </p:spTgt>
                                         </p:tgtEl>
@@ -8987,129 +9621,7 @@
                                         <p:tgtEl>
                                           <p:spTgt spid="3">
                                             <p:txEl>
-                                              <p:pRg st="4" end="4"/>
-                                            </p:txEl>
-                                          </p:spTgt>
-                                        </p:tgtEl>
-                                      </p:cBhvr>
-                                    </p:animEffect>
-                                  </p:childTnLst>
-                                </p:cTn>
-                              </p:par>
-                            </p:childTnLst>
-                          </p:cTn>
-                        </p:par>
-                      </p:childTnLst>
-                    </p:cTn>
-                  </p:par>
-                  <p:par>
-                    <p:cTn id="19" fill="hold">
-                      <p:stCondLst>
-                        <p:cond delay="indefinite"/>
-                      </p:stCondLst>
-                      <p:childTnLst>
-                        <p:par>
-                          <p:cTn id="20" fill="hold">
-                            <p:stCondLst>
-                              <p:cond delay="0"/>
-                            </p:stCondLst>
-                            <p:childTnLst>
-                              <p:par>
-                                <p:cTn id="21" presetID="10" presetClass="entr" presetSubtype="0" fill="hold" nodeType="clickEffect">
-                                  <p:stCondLst>
-                                    <p:cond delay="0"/>
-                                  </p:stCondLst>
-                                  <p:childTnLst>
-                                    <p:set>
-                                      <p:cBhvr>
-                                        <p:cTn id="22" dur="1" fill="hold">
-                                          <p:stCondLst>
-                                            <p:cond delay="0"/>
-                                          </p:stCondLst>
-                                        </p:cTn>
-                                        <p:tgtEl>
-                                          <p:spTgt spid="3">
-                                            <p:txEl>
                                               <p:pRg st="6" end="6"/>
-                                            </p:txEl>
-                                          </p:spTgt>
-                                        </p:tgtEl>
-                                        <p:attrNameLst>
-                                          <p:attrName>style.visibility</p:attrName>
-                                        </p:attrNameLst>
-                                      </p:cBhvr>
-                                      <p:to>
-                                        <p:strVal val="visible"/>
-                                      </p:to>
-                                    </p:set>
-                                    <p:animEffect transition="in" filter="fade">
-                                      <p:cBhvr>
-                                        <p:cTn id="23" dur="500"/>
-                                        <p:tgtEl>
-                                          <p:spTgt spid="3">
-                                            <p:txEl>
-                                              <p:pRg st="6" end="6"/>
-                                            </p:txEl>
-                                          </p:spTgt>
-                                        </p:tgtEl>
-                                      </p:cBhvr>
-                                    </p:animEffect>
-                                  </p:childTnLst>
-                                </p:cTn>
-                              </p:par>
-                            </p:childTnLst>
-                          </p:cTn>
-                        </p:par>
-                      </p:childTnLst>
-                    </p:cTn>
-                  </p:par>
-                  <p:par>
-                    <p:cTn id="24" fill="hold">
-                      <p:stCondLst>
-                        <p:cond delay="indefinite"/>
-                      </p:stCondLst>
-                      <p:childTnLst>
-                        <p:par>
-                          <p:cTn id="25" fill="hold">
-                            <p:stCondLst>
-                              <p:cond delay="0"/>
-                            </p:stCondLst>
-                            <p:childTnLst>
-                              <p:par>
-                                <p:cTn id="26" presetID="10" presetClass="entr" presetSubtype="0" fill="hold" nodeType="clickEffect">
-                                  <p:stCondLst>
-                                    <p:cond delay="0"/>
-                                  </p:stCondLst>
-                                  <p:childTnLst>
-                                    <p:set>
-                                      <p:cBhvr>
-                                        <p:cTn id="27" dur="1" fill="hold">
-                                          <p:stCondLst>
-                                            <p:cond delay="0"/>
-                                          </p:stCondLst>
-                                        </p:cTn>
-                                        <p:tgtEl>
-                                          <p:spTgt spid="3">
-                                            <p:txEl>
-                                              <p:pRg st="7" end="7"/>
-                                            </p:txEl>
-                                          </p:spTgt>
-                                        </p:tgtEl>
-                                        <p:attrNameLst>
-                                          <p:attrName>style.visibility</p:attrName>
-                                        </p:attrNameLst>
-                                      </p:cBhvr>
-                                      <p:to>
-                                        <p:strVal val="visible"/>
-                                      </p:to>
-                                    </p:set>
-                                    <p:animEffect transition="in" filter="fade">
-                                      <p:cBhvr>
-                                        <p:cTn id="28" dur="500"/>
-                                        <p:tgtEl>
-                                          <p:spTgt spid="3">
-                                            <p:txEl>
-                                              <p:pRg st="7" end="7"/>
                                             </p:txEl>
                                           </p:spTgt>
                                         </p:tgtEl>
